--- a/Single Level of Abstraction (SLAB).pptx
+++ b/Single Level of Abstraction (SLAB).pptx
@@ -7,20 +7,34 @@
   <p:sldIdLst>
     <p:sldId id="257" r:id="rId5"/>
     <p:sldId id="261" r:id="rId6"/>
-    <p:sldId id="262" r:id="rId7"/>
-    <p:sldId id="263" r:id="rId8"/>
-    <p:sldId id="264" r:id="rId9"/>
-    <p:sldId id="276" r:id="rId10"/>
-    <p:sldId id="270" r:id="rId11"/>
-    <p:sldId id="265" r:id="rId12"/>
-    <p:sldId id="266" r:id="rId13"/>
-    <p:sldId id="268" r:id="rId14"/>
-    <p:sldId id="271" r:id="rId15"/>
-    <p:sldId id="267" r:id="rId16"/>
-    <p:sldId id="272" r:id="rId17"/>
-    <p:sldId id="273" r:id="rId18"/>
-    <p:sldId id="274" r:id="rId19"/>
-    <p:sldId id="275" r:id="rId20"/>
+    <p:sldId id="292" r:id="rId7"/>
+    <p:sldId id="277" r:id="rId8"/>
+    <p:sldId id="262" r:id="rId9"/>
+    <p:sldId id="263" r:id="rId10"/>
+    <p:sldId id="264" r:id="rId11"/>
+    <p:sldId id="276" r:id="rId12"/>
+    <p:sldId id="278" r:id="rId13"/>
+    <p:sldId id="270" r:id="rId14"/>
+    <p:sldId id="279" r:id="rId15"/>
+    <p:sldId id="265" r:id="rId16"/>
+    <p:sldId id="280" r:id="rId17"/>
+    <p:sldId id="285" r:id="rId18"/>
+    <p:sldId id="266" r:id="rId19"/>
+    <p:sldId id="286" r:id="rId20"/>
+    <p:sldId id="282" r:id="rId21"/>
+    <p:sldId id="283" r:id="rId22"/>
+    <p:sldId id="287" r:id="rId23"/>
+    <p:sldId id="281" r:id="rId24"/>
+    <p:sldId id="268" r:id="rId25"/>
+    <p:sldId id="288" r:id="rId26"/>
+    <p:sldId id="271" r:id="rId27"/>
+    <p:sldId id="289" r:id="rId28"/>
+    <p:sldId id="267" r:id="rId29"/>
+    <p:sldId id="272" r:id="rId30"/>
+    <p:sldId id="273" r:id="rId31"/>
+    <p:sldId id="291" r:id="rId32"/>
+    <p:sldId id="274" r:id="rId33"/>
+    <p:sldId id="275" r:id="rId34"/>
   </p:sldIdLst>
   <p:sldSz cx="12192000" cy="6858000"/>
   <p:notesSz cx="6858000" cy="9144000"/>
@@ -849,7 +863,7 @@
           <a:p>
             <a:fld id="{EA0C0817-A112-4847-8014-A94B7D2A4EA3}" type="datetime1">
               <a:rPr lang="en-US" smtClean="0"/>
-              <a:t>5/29/2022</a:t>
+              <a:t>6/1/2022</a:t>
             </a:fld>
             <a:endParaRPr lang="en-US" dirty="0"/>
           </a:p>
@@ -1100,7 +1114,7 @@
           <a:p>
             <a:fld id="{F6FA2B21-3FCD-4721-B95C-427943F61125}" type="datetime1">
               <a:rPr lang="en-US" smtClean="0"/>
-              <a:t>5/29/2022</a:t>
+              <a:t>6/1/2022</a:t>
             </a:fld>
             <a:endParaRPr lang="en-US" dirty="0"/>
           </a:p>
@@ -1415,7 +1429,7 @@
           <a:p>
             <a:fld id="{F6FA2B21-3FCD-4721-B95C-427943F61125}" type="datetime1">
               <a:rPr lang="en-US" smtClean="0"/>
-              <a:t>5/29/2022</a:t>
+              <a:t>6/1/2022</a:t>
             </a:fld>
             <a:endParaRPr lang="en-US" dirty="0"/>
           </a:p>
@@ -1757,7 +1771,7 @@
           <a:p>
             <a:fld id="{F6FA2B21-3FCD-4721-B95C-427943F61125}" type="datetime1">
               <a:rPr lang="en-US" smtClean="0"/>
-              <a:t>5/29/2022</a:t>
+              <a:t>6/1/2022</a:t>
             </a:fld>
             <a:endParaRPr lang="en-US" dirty="0"/>
           </a:p>
@@ -2072,7 +2086,7 @@
           <a:p>
             <a:fld id="{F6FA2B21-3FCD-4721-B95C-427943F61125}" type="datetime1">
               <a:rPr lang="en-US" smtClean="0"/>
-              <a:t>5/29/2022</a:t>
+              <a:t>6/1/2022</a:t>
             </a:fld>
             <a:endParaRPr lang="en-US" dirty="0"/>
           </a:p>
@@ -2466,7 +2480,7 @@
           <a:p>
             <a:fld id="{F6FA2B21-3FCD-4721-B95C-427943F61125}" type="datetime1">
               <a:rPr lang="en-US" smtClean="0"/>
-              <a:t>5/29/2022</a:t>
+              <a:t>6/1/2022</a:t>
             </a:fld>
             <a:endParaRPr lang="en-US" dirty="0"/>
           </a:p>
@@ -2637,7 +2651,7 @@
           <a:p>
             <a:fld id="{F6FA2B21-3FCD-4721-B95C-427943F61125}" type="datetime1">
               <a:rPr lang="en-US" smtClean="0"/>
-              <a:t>5/29/2022</a:t>
+              <a:t>6/1/2022</a:t>
             </a:fld>
             <a:endParaRPr lang="en-US" dirty="0"/>
           </a:p>
@@ -2818,7 +2832,7 @@
           <a:p>
             <a:fld id="{F6FA2B21-3FCD-4721-B95C-427943F61125}" type="datetime1">
               <a:rPr lang="en-US" smtClean="0"/>
-              <a:t>5/29/2022</a:t>
+              <a:t>6/1/2022</a:t>
             </a:fld>
             <a:endParaRPr lang="en-US" dirty="0"/>
           </a:p>
@@ -2995,7 +3009,7 @@
           <a:p>
             <a:fld id="{7332B432-ACDA-4023-A761-2BAB76577B62}" type="datetime1">
               <a:rPr lang="en-US" smtClean="0"/>
-              <a:t>5/29/2022</a:t>
+              <a:t>6/1/2022</a:t>
             </a:fld>
             <a:endParaRPr lang="en-US" dirty="0"/>
           </a:p>
@@ -3242,7 +3256,7 @@
           <a:p>
             <a:fld id="{D9C646AA-F36E-4540-911D-FFFC0A0EF24A}" type="datetime1">
               <a:rPr lang="en-US" smtClean="0"/>
-              <a:t>5/29/2022</a:t>
+              <a:t>6/1/2022</a:t>
             </a:fld>
             <a:endParaRPr lang="en-US" dirty="0"/>
           </a:p>
@@ -3474,7 +3488,7 @@
           <a:p>
             <a:fld id="{69186D26-FA5F-4637-B602-B7C2DC34CFD4}" type="datetime1">
               <a:rPr lang="en-US" smtClean="0"/>
-              <a:t>5/29/2022</a:t>
+              <a:t>6/1/2022</a:t>
             </a:fld>
             <a:endParaRPr lang="en-US" dirty="0"/>
           </a:p>
@@ -3848,7 +3862,7 @@
           <a:p>
             <a:fld id="{8A7F15D8-96D1-4781-BC50-CA8A088B2FE4}" type="datetime1">
               <a:rPr lang="en-US" smtClean="0"/>
-              <a:t>5/29/2022</a:t>
+              <a:t>6/1/2022</a:t>
             </a:fld>
             <a:endParaRPr lang="en-US" dirty="0"/>
           </a:p>
@@ -3971,7 +3985,7 @@
           <a:p>
             <a:fld id="{F9A96C99-B8F8-4528-BD05-0E16E943DC09}" type="datetime1">
               <a:rPr lang="en-US" smtClean="0"/>
-              <a:t>5/29/2022</a:t>
+              <a:t>6/1/2022</a:t>
             </a:fld>
             <a:endParaRPr lang="en-US" dirty="0"/>
           </a:p>
@@ -4066,7 +4080,7 @@
           <a:p>
             <a:fld id="{03636942-C211-4B28-8DBD-C953E00AF71B}" type="datetime1">
               <a:rPr lang="en-US" smtClean="0"/>
-              <a:t>5/29/2022</a:t>
+              <a:t>6/1/2022</a:t>
             </a:fld>
             <a:endParaRPr lang="en-US" dirty="0"/>
           </a:p>
@@ -4321,7 +4335,7 @@
           <a:p>
             <a:fld id="{7E8D12A6-918A-48BD-8CB9-CA713993B0EA}" type="datetime1">
               <a:rPr lang="en-US" smtClean="0"/>
-              <a:t>5/29/2022</a:t>
+              <a:t>6/1/2022</a:t>
             </a:fld>
             <a:endParaRPr lang="en-US" dirty="0"/>
           </a:p>
@@ -4585,7 +4599,7 @@
             <a:fld id="{E778CE86-875F-4587-BCF6-FA054AFC0D53}" type="datetime1">
               <a:rPr lang="en-US" smtClean="0"/>
               <a:pPr/>
-              <a:t>5/29/2022</a:t>
+              <a:t>6/1/2022</a:t>
             </a:fld>
             <a:endParaRPr lang="en-US" dirty="0"/>
           </a:p>
@@ -5329,7 +5343,7 @@
           <a:p>
             <a:fld id="{F6FA2B21-3FCD-4721-B95C-427943F61125}" type="datetime1">
               <a:rPr lang="en-US" smtClean="0"/>
-              <a:t>5/29/2022</a:t>
+              <a:t>6/1/2022</a:t>
             </a:fld>
             <a:endParaRPr lang="en-US" dirty="0"/>
           </a:p>
@@ -6832,7 +6846,7 @@
           <p:cNvPr id="2" name="Title 1">
             <a:extLst>
               <a:ext uri="{FF2B5EF4-FFF2-40B4-BE49-F238E27FC236}">
-                <a16:creationId xmlns:a16="http://schemas.microsoft.com/office/drawing/2014/main" id="{DBED336F-DC17-4B18-900F-64647DA7971B}"/>
+                <a16:creationId xmlns:a16="http://schemas.microsoft.com/office/drawing/2014/main" id="{0A0E407E-7B9D-4BA0-807C-E99A87F7BD05}"/>
               </a:ext>
             </a:extLst>
           </p:cNvPr>
@@ -6845,119 +6859,44 @@
         </p:nvSpPr>
         <p:spPr>
           <a:xfrm>
-            <a:off x="677335" y="210767"/>
+            <a:off x="792744" y="1727200"/>
             <a:ext cx="8596668" cy="3403600"/>
           </a:xfrm>
         </p:spPr>
         <p:txBody>
           <a:bodyPr>
-            <a:normAutofit/>
+            <a:normAutofit fontScale="90000"/>
           </a:bodyPr>
           <a:lstStyle/>
           <a:p>
-            <a:r>
-              <a:rPr lang="pt-BR" sz="4400" dirty="0"/>
-              <a:t>Conseguimos essa análise através de ferramentas de análise stática de código como SonarQube, Ndepend, ReSharper</a:t>
-            </a:r>
             <a:br>
-              <a:rPr lang="pt-BR" sz="4400" dirty="0"/>
+              <a:rPr lang="pt-BR" sz="2800" dirty="0"/>
             </a:br>
             <a:r>
-              <a:rPr lang="pt-BR" sz="1200" dirty="0"/>
-              <a:t>https://docs.sonarqube.org/latest/user-guide/metric-definitions/</a:t>
-            </a:r>
-          </a:p>
-        </p:txBody>
-      </p:sp>
-      <p:sp>
-        <p:nvSpPr>
-          <p:cNvPr id="3" name="Text Placeholder 2">
-            <a:extLst>
-              <a:ext uri="{FF2B5EF4-FFF2-40B4-BE49-F238E27FC236}">
-                <a16:creationId xmlns:a16="http://schemas.microsoft.com/office/drawing/2014/main" id="{59D35757-7E2B-4CBC-8802-B6C28146CCB3}"/>
-              </a:ext>
-            </a:extLst>
-          </p:cNvPr>
-          <p:cNvSpPr>
-            <a:spLocks noGrp="1"/>
-          </p:cNvSpPr>
-          <p:nvPr>
-            <p:ph type="body" idx="1"/>
-          </p:nvPr>
-        </p:nvSpPr>
-        <p:spPr/>
-        <p:txBody>
-          <a:bodyPr/>
-          <a:lstStyle/>
-          <a:p>
-            <a:endParaRPr lang="pt-BR" dirty="0"/>
-          </a:p>
-        </p:txBody>
-      </p:sp>
-      <p:pic>
-        <p:nvPicPr>
-          <p:cNvPr id="7" name="Picture 6">
-            <a:extLst>
-              <a:ext uri="{FF2B5EF4-FFF2-40B4-BE49-F238E27FC236}">
-                <a16:creationId xmlns:a16="http://schemas.microsoft.com/office/drawing/2014/main" id="{031D1397-8420-4695-8791-CFE482D46236}"/>
-              </a:ext>
-            </a:extLst>
-          </p:cNvPr>
-          <p:cNvPicPr>
-            <a:picLocks noChangeAspect="1"/>
-          </p:cNvPicPr>
-          <p:nvPr/>
-        </p:nvPicPr>
-        <p:blipFill>
-          <a:blip r:embed="rId2"/>
-          <a:stretch>
-            <a:fillRect/>
-          </a:stretch>
-        </p:blipFill>
-        <p:spPr>
-          <a:xfrm>
-            <a:off x="677335" y="3643312"/>
-            <a:ext cx="6534150" cy="2219325"/>
-          </a:xfrm>
-          <a:prstGeom prst="rect">
-            <a:avLst/>
-          </a:prstGeom>
-        </p:spPr>
-      </p:pic>
-      <p:pic>
-        <p:nvPicPr>
-          <p:cNvPr id="9" name="Picture 8">
-            <a:extLst>
-              <a:ext uri="{FF2B5EF4-FFF2-40B4-BE49-F238E27FC236}">
-                <a16:creationId xmlns:a16="http://schemas.microsoft.com/office/drawing/2014/main" id="{7CC09147-7C8F-4D89-B79F-58927ACB65E6}"/>
-              </a:ext>
-            </a:extLst>
-          </p:cNvPr>
-          <p:cNvPicPr>
-            <a:picLocks noChangeAspect="1"/>
-          </p:cNvPicPr>
-          <p:nvPr/>
-        </p:nvPicPr>
-        <p:blipFill>
-          <a:blip r:embed="rId3"/>
-          <a:stretch>
-            <a:fillRect/>
-          </a:stretch>
-        </p:blipFill>
-        <p:spPr>
-          <a:xfrm>
-            <a:off x="677335" y="5738812"/>
-            <a:ext cx="6305550" cy="1162050"/>
-          </a:xfrm>
-          <a:prstGeom prst="rect">
-            <a:avLst/>
-          </a:prstGeom>
-        </p:spPr>
-      </p:pic>
+              <a:rPr lang="pt-BR" sz="4000" dirty="0"/>
+              <a:t>E o código-fonte por si só é uma abstração, porque permite por exemplo que você use instruções do compilador como if ou for sem lidar com instruções de baixo nível como contadores de programa, registradores, etc. </a:t>
+            </a:r>
+            <a:br>
+              <a:rPr lang="pt-BR" sz="4000" dirty="0"/>
+            </a:br>
+            <a:br>
+              <a:rPr lang="pt-BR" sz="4000" dirty="0"/>
+            </a:br>
+            <a:r>
+              <a:rPr lang="pt-BR" sz="4000" dirty="0"/>
+              <a:t>Em suma, vemos abstrações “sobre” outras abstrações em todos os lugares.</a:t>
+            </a:r>
+            <a:br>
+              <a:rPr lang="pt-BR" sz="4000" dirty="0"/>
+            </a:br>
+            <a:endParaRPr lang="pt-BR" sz="4000" dirty="0"/>
+          </a:p>
+        </p:txBody>
+      </p:sp>
     </p:spTree>
     <p:extLst>
       <p:ext uri="{BB962C8B-B14F-4D97-AF65-F5344CB8AC3E}">
-        <p14:creationId xmlns:p14="http://schemas.microsoft.com/office/powerpoint/2010/main" val="2633845088"/>
+        <p14:creationId xmlns:p14="http://schemas.microsoft.com/office/powerpoint/2010/main" val="696767220"/>
       </p:ext>
     </p:extLst>
   </p:cSld>
@@ -6989,7 +6928,7 @@
           <p:cNvPr id="2" name="Title 1">
             <a:extLst>
               <a:ext uri="{FF2B5EF4-FFF2-40B4-BE49-F238E27FC236}">
-                <a16:creationId xmlns:a16="http://schemas.microsoft.com/office/drawing/2014/main" id="{4D4CE622-6C4B-430A-86D5-33D1A6F6E0E2}"/>
+                <a16:creationId xmlns:a16="http://schemas.microsoft.com/office/drawing/2014/main" id="{0B18F688-CB9F-47CB-A127-210CC56A21DE}"/>
               </a:ext>
             </a:extLst>
           </p:cNvPr>
@@ -7002,41 +6941,27 @@
         </p:nvSpPr>
         <p:spPr>
           <a:xfrm>
-            <a:off x="721724" y="1843596"/>
+            <a:off x="996931" y="1577266"/>
             <a:ext cx="8596668" cy="3403600"/>
           </a:xfrm>
         </p:spPr>
         <p:txBody>
           <a:bodyPr>
-            <a:normAutofit fontScale="90000"/>
+            <a:normAutofit/>
           </a:bodyPr>
           <a:lstStyle/>
           <a:p>
             <a:r>
-              <a:rPr lang="pt-BR" sz="3600" dirty="0"/>
-              <a:t>De acordo com o SLAP, o código-fonte dentro de cada método deve se referir a conceitos e mecanismos relevantes para apenas um nível de “complexidade operacional” de sua aplicação ou seja código deve lidar com conceitos relacionados a apenas um nível de abstração.Sem mistura. </a:t>
-            </a:r>
-            <a:br>
-              <a:rPr lang="pt-BR" sz="3600" dirty="0"/>
-            </a:br>
-            <a:br>
-              <a:rPr lang="pt-BR" sz="3600" dirty="0"/>
-            </a:br>
-            <a:r>
-              <a:rPr lang="pt-BR" sz="3100" dirty="0"/>
-              <a:t>Parece simples, mas, na prática, pode ser um desafio aplicar esse princípio em um código real porque é… bem, abstrato.</a:t>
-            </a:r>
-            <a:br>
-              <a:rPr lang="pt-BR" sz="4400" dirty="0"/>
-            </a:br>
-            <a:endParaRPr lang="pt-BR" dirty="0"/>
+              <a:rPr lang="pt-BR" sz="6000" dirty="0"/>
+              <a:t>Como saber se estamos violando o SLAB??</a:t>
+            </a:r>
           </a:p>
         </p:txBody>
       </p:sp>
     </p:spTree>
     <p:extLst>
       <p:ext uri="{BB962C8B-B14F-4D97-AF65-F5344CB8AC3E}">
-        <p14:creationId xmlns:p14="http://schemas.microsoft.com/office/powerpoint/2010/main" val="2610074617"/>
+        <p14:creationId xmlns:p14="http://schemas.microsoft.com/office/powerpoint/2010/main" val="1460432166"/>
       </p:ext>
     </p:extLst>
   </p:cSld>
@@ -7068,7 +6993,7 @@
           <p:cNvPr id="2" name="Title 1">
             <a:extLst>
               <a:ext uri="{FF2B5EF4-FFF2-40B4-BE49-F238E27FC236}">
-                <a16:creationId xmlns:a16="http://schemas.microsoft.com/office/drawing/2014/main" id="{C81803CA-E887-4FC7-AD96-39E2CF45B143}"/>
+                <a16:creationId xmlns:a16="http://schemas.microsoft.com/office/drawing/2014/main" id="{39A63405-8A77-4843-9E43-FB5EF90527C7}"/>
               </a:ext>
             </a:extLst>
           </p:cNvPr>
@@ -7081,8 +7006,8 @@
         </p:nvSpPr>
         <p:spPr>
           <a:xfrm>
-            <a:off x="677335" y="609600"/>
-            <a:ext cx="9269098" cy="4930066"/>
+            <a:off x="899276" y="1621655"/>
+            <a:ext cx="8596668" cy="3403600"/>
           </a:xfrm>
         </p:spPr>
         <p:txBody>
@@ -7092,60 +7017,50 @@
           <a:lstStyle/>
           <a:p>
             <a:r>
-              <a:rPr lang="pt-BR" sz="2800" dirty="0"/>
-              <a:t>Por exemplo, se um método cria e executa solicitações HTTP, de acordo com o SLAP ele também não deve processar o JSON resultante.</a:t>
+              <a:rPr lang="pt-BR" sz="3200" dirty="0"/>
+              <a:t> </a:t>
             </a:r>
             <a:br>
-              <a:rPr lang="pt-BR" sz="2800" dirty="0"/>
+              <a:rPr lang="pt-BR" sz="3200" dirty="0"/>
+            </a:br>
+            <a:r>
+              <a:rPr lang="pt-BR" sz="3200" dirty="0"/>
+              <a:t>Em geral, diferentes “blocos” de código dentro de um método já são um indicador clássico de diferentes níveis de abstração. </a:t>
+            </a:r>
+            <a:br>
+              <a:rPr lang="pt-BR" sz="3200" dirty="0"/>
             </a:br>
             <a:br>
-              <a:rPr lang="pt-BR" sz="2800" dirty="0"/>
+              <a:rPr lang="pt-BR" sz="3200" dirty="0"/>
+            </a:br>
+            <a:r>
+              <a:rPr lang="pt-BR" sz="3200" dirty="0"/>
+              <a:t>Tá, mas e aí? </a:t>
+            </a:r>
+            <a:br>
+              <a:rPr lang="pt-BR" sz="3200" dirty="0"/>
+            </a:br>
+            <a:r>
+              <a:rPr lang="pt-BR" sz="3200" dirty="0"/>
+              <a:t>Qual exatamente o impacto, o problema com vários blocos e diferentes níveis de abstração?</a:t>
+            </a:r>
+            <a:br>
+              <a:rPr lang="pt-BR" sz="3200" dirty="0"/>
             </a:br>
             <a:br>
-              <a:rPr lang="pt-BR" sz="2800" dirty="0"/>
-            </a:br>
-            <a:r>
-              <a:rPr lang="pt-BR" sz="2800" dirty="0"/>
-              <a:t>Estes são diferentes níveis de abstração: </a:t>
-            </a:r>
-            <a:br>
-              <a:rPr lang="pt-BR" sz="2800" dirty="0"/>
+              <a:rPr lang="pt-BR" sz="3200" dirty="0"/>
             </a:br>
             <a:br>
-              <a:rPr lang="pt-BR" sz="2800" dirty="0"/>
+              <a:rPr lang="pt-BR" sz="3200" dirty="0"/>
             </a:br>
-            <a:r>
-              <a:rPr lang="pt-BR" sz="2800" dirty="0"/>
-              <a:t>- Um é sobre comunicação via HTTP </a:t>
-            </a:r>
-            <a:br>
-              <a:rPr lang="pt-BR" sz="2800" dirty="0"/>
-            </a:br>
-            <a:br>
-              <a:rPr lang="pt-BR" sz="2800" dirty="0"/>
-            </a:br>
-            <a:r>
-              <a:rPr lang="pt-BR" sz="2800" dirty="0"/>
-              <a:t>- O outro é sobre formato e layout de dados específicos.</a:t>
-            </a:r>
-            <a:br>
-              <a:rPr lang="pt-BR" sz="2800" dirty="0"/>
-            </a:br>
-            <a:r>
-              <a:rPr lang="pt-BR" sz="2800" dirty="0"/>
-              <a:t> </a:t>
-            </a:r>
-            <a:br>
-              <a:rPr lang="pt-BR" sz="2800" dirty="0"/>
-            </a:br>
-            <a:endParaRPr lang="pt-BR" sz="2800" dirty="0"/>
+            <a:endParaRPr lang="pt-BR" sz="3200" dirty="0"/>
           </a:p>
         </p:txBody>
       </p:sp>
     </p:spTree>
     <p:extLst>
       <p:ext uri="{BB962C8B-B14F-4D97-AF65-F5344CB8AC3E}">
-        <p14:creationId xmlns:p14="http://schemas.microsoft.com/office/powerpoint/2010/main" val="709531989"/>
+        <p14:creationId xmlns:p14="http://schemas.microsoft.com/office/powerpoint/2010/main" val="3356083640"/>
       </p:ext>
     </p:extLst>
   </p:cSld>
@@ -7177,7 +7092,7 @@
           <p:cNvPr id="2" name="Title 1">
             <a:extLst>
               <a:ext uri="{FF2B5EF4-FFF2-40B4-BE49-F238E27FC236}">
-                <a16:creationId xmlns:a16="http://schemas.microsoft.com/office/drawing/2014/main" id="{EB3A38D4-F653-46F9-8043-8E1CBF7C7408}"/>
+                <a16:creationId xmlns:a16="http://schemas.microsoft.com/office/drawing/2014/main" id="{39A63405-8A77-4843-9E43-FB5EF90527C7}"/>
               </a:ext>
             </a:extLst>
           </p:cNvPr>
@@ -7188,34 +7103,61 @@
             <p:ph type="title"/>
           </p:nvPr>
         </p:nvSpPr>
-        <p:spPr/>
+        <p:spPr>
+          <a:xfrm>
+            <a:off x="899276" y="1621655"/>
+            <a:ext cx="8596668" cy="3403600"/>
+          </a:xfrm>
+        </p:spPr>
         <p:txBody>
           <a:bodyPr>
-            <a:normAutofit fontScale="90000"/>
+            <a:noAutofit/>
           </a:bodyPr>
           <a:lstStyle/>
           <a:p>
+            <a:r>
+              <a:rPr lang="pt-BR" sz="3200" dirty="0"/>
+              <a:t> </a:t>
+            </a:r>
             <a:br>
-              <a:rPr lang="pt-BR" dirty="0"/>
+              <a:rPr lang="pt-BR" sz="3200" dirty="0"/>
             </a:br>
-            <a:r>
-              <a:rPr lang="pt-BR" dirty="0"/>
-              <a:t> </a:t>
-            </a:r>
             <a:br>
-              <a:rPr lang="pt-BR" dirty="0"/>
+              <a:rPr lang="pt-BR" sz="3200" dirty="0"/>
             </a:br>
             <a:r>
-              <a:rPr lang="pt-BR" dirty="0"/>
-              <a:t>Vamos aos exemplos de código que esclarecerão o SLAP para você. </a:t>
-            </a:r>
+              <a:rPr lang="pt-BR" sz="3200" dirty="0"/>
+              <a:t>Isso significa que o leitor do código agora precisa criar uma </a:t>
+            </a:r>
+            <a:r>
+              <a:rPr lang="pt-BR" sz="3200" b="1" dirty="0"/>
+              <a:t>“ramificação”</a:t>
+            </a:r>
+            <a:r>
+              <a:rPr lang="pt-BR" sz="3200" dirty="0"/>
+              <a:t> em seu agrupamento mental para ler essa condição ou bloco de loop e mesclar de volta </a:t>
+            </a:r>
+            <a:br>
+              <a:rPr lang="pt-BR" sz="3200" dirty="0"/>
+            </a:br>
+            <a:r>
+              <a:rPr lang="pt-BR" sz="3200" dirty="0"/>
+              <a:t>ao mesmo nível em que o bloco terminou.</a:t>
+            </a:r>
+            <a:br>
+              <a:rPr lang="pt-BR" sz="3200" dirty="0"/>
+            </a:br>
+            <a:br>
+              <a:rPr lang="pt-BR" sz="3200" dirty="0"/>
+            </a:br>
+            <a:endParaRPr lang="pt-BR" sz="3200" dirty="0"/>
           </a:p>
         </p:txBody>
       </p:sp>
     </p:spTree>
     <p:extLst>
       <p:ext uri="{BB962C8B-B14F-4D97-AF65-F5344CB8AC3E}">
-        <p14:creationId xmlns:p14="http://schemas.microsoft.com/office/powerpoint/2010/main" val="199364979"/>
+        <p14:creationId xmlns:p14="http://schemas.microsoft.com/office/powerpoint/2010/main" val="220234116"/>
       </p:ext>
     </p:extLst>
   </p:cSld>
@@ -7247,7 +7189,7 @@
           <p:cNvPr id="2" name="Title 1">
             <a:extLst>
               <a:ext uri="{FF2B5EF4-FFF2-40B4-BE49-F238E27FC236}">
-                <a16:creationId xmlns:a16="http://schemas.microsoft.com/office/drawing/2014/main" id="{7F9007E1-9C48-4D8A-9525-4D16B98B3BC0}"/>
+                <a16:creationId xmlns:a16="http://schemas.microsoft.com/office/drawing/2014/main" id="{39A63405-8A77-4843-9E43-FB5EF90527C7}"/>
               </a:ext>
             </a:extLst>
           </p:cNvPr>
@@ -7260,68 +7202,44 @@
         </p:nvSpPr>
         <p:spPr>
           <a:xfrm>
-            <a:off x="677335" y="609600"/>
-            <a:ext cx="8596668" cy="5578136"/>
+            <a:off x="899276" y="1621655"/>
+            <a:ext cx="8596668" cy="3403600"/>
           </a:xfrm>
         </p:spPr>
         <p:txBody>
           <a:bodyPr>
-            <a:normAutofit/>
+            <a:noAutofit/>
           </a:bodyPr>
           <a:lstStyle/>
           <a:p>
             <a:r>
-              <a:rPr lang="pt-BR" sz="2400" dirty="0"/>
-              <a:t>Resumo </a:t>
+              <a:rPr lang="pt-BR" sz="3200" dirty="0"/>
+              <a:t> </a:t>
             </a:r>
             <a:br>
-              <a:rPr lang="pt-BR" sz="1800" dirty="0"/>
-            </a:br>
-            <a:r>
-              <a:rPr lang="pt-BR" sz="1800" dirty="0"/>
-              <a:t>O SLAB ou </a:t>
-            </a:r>
-            <a:r>
-              <a:rPr lang="pt-BR" sz="2000" dirty="0"/>
-              <a:t>Nível Único de Abstração é um princípio de codificação limpo que melhora principalmente a legibilidade do código. </a:t>
-            </a:r>
-            <a:br>
-              <a:rPr lang="pt-BR" sz="2000" dirty="0"/>
+              <a:rPr lang="pt-BR" sz="3200" dirty="0"/>
             </a:br>
             <a:br>
-              <a:rPr lang="pt-BR" sz="2000" dirty="0"/>
+              <a:rPr lang="pt-BR" sz="3200" dirty="0"/>
             </a:br>
             <a:r>
-              <a:rPr lang="pt-BR" sz="2000" dirty="0"/>
-              <a:t>Isso também ajuda a manter um método complexo, refatorando-o ainda mais em pedaços menores de código. </a:t>
+              <a:rPr lang="pt-BR" sz="3200" dirty="0"/>
+              <a:t>Quando temos blocos que não são isolados em funções bem descritas e com responsabilidades somos obrigados a ter no “buffer” da nossa memória uma quantidade muito maior de informações o que favorece a confusão e o código espaguetti</a:t>
             </a:r>
             <a:br>
-              <a:rPr lang="pt-BR" sz="2000" dirty="0"/>
+              <a:rPr lang="pt-BR" sz="3200" dirty="0"/>
             </a:br>
             <a:br>
-              <a:rPr lang="pt-BR" sz="2000" dirty="0"/>
+              <a:rPr lang="pt-BR" sz="3200" dirty="0"/>
             </a:br>
-            <a:r>
-              <a:rPr lang="pt-BR" sz="2000" dirty="0"/>
-              <a:t>Em geral, qualquer condição complexa, loop ou bloco lógico de código pode ser classificado como um nível diferente de abstração e pode estar violando o SLAB.</a:t>
-            </a:r>
-            <a:br>
-              <a:rPr lang="pt-BR" sz="2000" dirty="0"/>
-            </a:br>
-            <a:br>
-              <a:rPr lang="pt-BR" sz="2000" dirty="0"/>
-            </a:br>
-            <a:r>
-              <a:rPr lang="pt-BR" sz="2000" dirty="0"/>
-              <a:t>Como uma extensão do SRP e SOC, esse princípio atua como uma força orientadora e enfatiza o aspecto de legibilidade das práticas de codificação limpas.</a:t>
-            </a:r>
+            <a:endParaRPr lang="pt-BR" sz="3200" dirty="0"/>
           </a:p>
         </p:txBody>
       </p:sp>
     </p:spTree>
     <p:extLst>
       <p:ext uri="{BB962C8B-B14F-4D97-AF65-F5344CB8AC3E}">
-        <p14:creationId xmlns:p14="http://schemas.microsoft.com/office/powerpoint/2010/main" val="585268781"/>
+        <p14:creationId xmlns:p14="http://schemas.microsoft.com/office/powerpoint/2010/main" val="1232500811"/>
       </p:ext>
     </p:extLst>
   </p:cSld>
@@ -7353,7 +7271,7 @@
           <p:cNvPr id="2" name="Title 1">
             <a:extLst>
               <a:ext uri="{FF2B5EF4-FFF2-40B4-BE49-F238E27FC236}">
-                <a16:creationId xmlns:a16="http://schemas.microsoft.com/office/drawing/2014/main" id="{BED42821-50E5-4ADA-8E41-A4711CEE7D7C}"/>
+                <a16:creationId xmlns:a16="http://schemas.microsoft.com/office/drawing/2014/main" id="{DBED336F-DC17-4B18-900F-64647DA7971B}"/>
               </a:ext>
             </a:extLst>
           </p:cNvPr>
@@ -7366,8 +7284,8 @@
         </p:nvSpPr>
         <p:spPr>
           <a:xfrm>
-            <a:off x="677335" y="609600"/>
-            <a:ext cx="8596668" cy="5640280"/>
+            <a:off x="899276" y="1338231"/>
+            <a:ext cx="9429711" cy="3403600"/>
           </a:xfrm>
         </p:spPr>
         <p:txBody>
@@ -7377,58 +7295,17 @@
           <a:lstStyle/>
           <a:p>
             <a:r>
-              <a:rPr lang="pt-BR" sz="2800" b="0" i="0" dirty="0">
-                <a:effectLst/>
-                <a:latin typeface="Open Sans" panose="020B0606030504020204" pitchFamily="34" charset="0"/>
-              </a:rPr>
-              <a:t>Concluindo, manter os métodos em um único nível de abstração ajuda a melhorar a legibilidade. </a:t>
-            </a:r>
-            <a:br>
-              <a:rPr lang="pt-BR" sz="2800" b="0" i="0" dirty="0">
-                <a:effectLst/>
-                <a:latin typeface="Open Sans" panose="020B0606030504020204" pitchFamily="34" charset="0"/>
-              </a:rPr>
-            </a:br>
-            <a:br>
-              <a:rPr lang="pt-BR" sz="2800" b="0" i="0" dirty="0">
-                <a:effectLst/>
-                <a:latin typeface="Open Sans" panose="020B0606030504020204" pitchFamily="34" charset="0"/>
-              </a:rPr>
-            </a:br>
-            <a:r>
-              <a:rPr lang="pt-BR" sz="2800" b="0" i="0" dirty="0">
-                <a:effectLst/>
-                <a:latin typeface="Open Sans" panose="020B0606030504020204" pitchFamily="34" charset="0"/>
-              </a:rPr>
-              <a:t>A dificuldade vem do aumento da capacidade cognitiva necessária para acompanhar o entendimento e podemos resolver isso decompondo métodos longos. </a:t>
-            </a:r>
-            <a:br>
-              <a:rPr lang="pt-BR" sz="2800" b="0" i="0" dirty="0">
-                <a:effectLst/>
-                <a:latin typeface="Open Sans" panose="020B0606030504020204" pitchFamily="34" charset="0"/>
-              </a:rPr>
-            </a:br>
-            <a:br>
-              <a:rPr lang="pt-BR" sz="2800" b="0" i="0" dirty="0">
-                <a:effectLst/>
-                <a:latin typeface="Open Sans" panose="020B0606030504020204" pitchFamily="34" charset="0"/>
-              </a:rPr>
-            </a:br>
-            <a:r>
-              <a:rPr lang="pt-BR" sz="2800" b="0" i="0" dirty="0">
-                <a:effectLst/>
-                <a:latin typeface="Open Sans" panose="020B0606030504020204" pitchFamily="34" charset="0"/>
-              </a:rPr>
-              <a:t>Faça isso extraindo os menores, claramente nomeados que expressam a intenção. Favoreça métodos compostos por outros métodos menores e claramente nomeados.</a:t>
-            </a:r>
-            <a:endParaRPr lang="pt-BR" sz="2800" dirty="0"/>
+              <a:rPr lang="pt-BR" sz="4400" dirty="0"/>
+              <a:t>Aqui começamos a relacionar o conceito de Complexidade</a:t>
+            </a:r>
+            <a:endParaRPr lang="pt-BR" sz="1200" dirty="0"/>
           </a:p>
         </p:txBody>
       </p:sp>
     </p:spTree>
     <p:extLst>
       <p:ext uri="{BB962C8B-B14F-4D97-AF65-F5344CB8AC3E}">
-        <p14:creationId xmlns:p14="http://schemas.microsoft.com/office/powerpoint/2010/main" val="2307036273"/>
+        <p14:creationId xmlns:p14="http://schemas.microsoft.com/office/powerpoint/2010/main" val="3892614132"/>
       </p:ext>
     </p:extLst>
   </p:cSld>
@@ -7460,7 +7337,7 @@
           <p:cNvPr id="2" name="Title 1">
             <a:extLst>
               <a:ext uri="{FF2B5EF4-FFF2-40B4-BE49-F238E27FC236}">
-                <a16:creationId xmlns:a16="http://schemas.microsoft.com/office/drawing/2014/main" id="{17647852-CB0F-4D3B-84D4-2DAFD5CB4758}"/>
+                <a16:creationId xmlns:a16="http://schemas.microsoft.com/office/drawing/2014/main" id="{DBED336F-DC17-4B18-900F-64647DA7971B}"/>
               </a:ext>
             </a:extLst>
           </p:cNvPr>
@@ -7471,24 +7348,62 @@
             <p:ph type="title"/>
           </p:nvPr>
         </p:nvSpPr>
-        <p:spPr/>
-        <p:txBody>
-          <a:bodyPr/>
-          <a:lstStyle/>
-          <a:p>
-            <a:r>
-              <a:rPr lang="pt-BR" dirty="0"/>
-              <a:t>Obrigada!</a:t>
-            </a:r>
-          </a:p>
-        </p:txBody>
-      </p:sp>
-      <p:sp>
-        <p:nvSpPr>
-          <p:cNvPr id="3" name="Text Placeholder 2">
+        <p:spPr>
+          <a:xfrm>
+            <a:off x="899276" y="1338231"/>
+            <a:ext cx="9429711" cy="3403600"/>
+          </a:xfrm>
+        </p:spPr>
+        <p:txBody>
+          <a:bodyPr>
+            <a:normAutofit/>
+          </a:bodyPr>
+          <a:lstStyle/>
+          <a:p>
+            <a:r>
+              <a:rPr lang="pt-BR" sz="4400" dirty="0"/>
+              <a:t>Complexidade ciclomática (a quantidade de caminhos de execução independentes, </a:t>
+            </a:r>
+            <a:endParaRPr lang="pt-BR" sz="1200" dirty="0"/>
+          </a:p>
+        </p:txBody>
+      </p:sp>
+    </p:spTree>
+    <p:extLst>
+      <p:ext uri="{BB962C8B-B14F-4D97-AF65-F5344CB8AC3E}">
+        <p14:creationId xmlns:p14="http://schemas.microsoft.com/office/powerpoint/2010/main" val="3149808406"/>
+      </p:ext>
+    </p:extLst>
+  </p:cSld>
+  <p:clrMapOvr>
+    <a:masterClrMapping/>
+  </p:clrMapOvr>
+</p:sld>
+</file>
+
+<file path=ppt/slides/slide17.xml><?xml version="1.0" encoding="utf-8"?>
+<p:sld xmlns:a="http://schemas.openxmlformats.org/drawingml/2006/main" xmlns:r="http://schemas.openxmlformats.org/officeDocument/2006/relationships" xmlns:p="http://schemas.openxmlformats.org/presentationml/2006/main">
+  <p:cSld>
+    <p:spTree>
+      <p:nvGrpSpPr>
+        <p:cNvPr id="1" name=""/>
+        <p:cNvGrpSpPr/>
+        <p:nvPr/>
+      </p:nvGrpSpPr>
+      <p:grpSpPr>
+        <a:xfrm>
+          <a:off x="0" y="0"/>
+          <a:ext cx="0" cy="0"/>
+          <a:chOff x="0" y="0"/>
+          <a:chExt cx="0" cy="0"/>
+        </a:xfrm>
+      </p:grpSpPr>
+      <p:sp>
+        <p:nvSpPr>
+          <p:cNvPr id="2" name="Title 1">
             <a:extLst>
               <a:ext uri="{FF2B5EF4-FFF2-40B4-BE49-F238E27FC236}">
-                <a16:creationId xmlns:a16="http://schemas.microsoft.com/office/drawing/2014/main" id="{6DA52ACB-52BF-4119-AA5C-F6B2481A1133}"/>
+                <a16:creationId xmlns:a16="http://schemas.microsoft.com/office/drawing/2014/main" id="{DBED336F-DC17-4B18-900F-64647DA7971B}"/>
               </a:ext>
             </a:extLst>
           </p:cNvPr>
@@ -7496,22 +7411,175 @@
             <a:spLocks noGrp="1"/>
           </p:cNvSpPr>
           <p:nvPr>
-            <p:ph type="body" idx="1"/>
-          </p:nvPr>
-        </p:nvSpPr>
-        <p:spPr/>
-        <p:txBody>
-          <a:bodyPr/>
-          <a:lstStyle/>
-          <a:p>
-            <a:endParaRPr lang="pt-BR" dirty="0"/>
+            <p:ph type="title"/>
+          </p:nvPr>
+        </p:nvSpPr>
+        <p:spPr>
+          <a:xfrm>
+            <a:off x="899276" y="1338231"/>
+            <a:ext cx="9429711" cy="3403600"/>
+          </a:xfrm>
+        </p:spPr>
+        <p:txBody>
+          <a:bodyPr>
+            <a:normAutofit/>
+          </a:bodyPr>
+          <a:lstStyle/>
+          <a:p>
+            <a:r>
+              <a:rPr lang="pt-BR" sz="4400" dirty="0"/>
+              <a:t>Complexidade Cognitiva</a:t>
+            </a:r>
+            <a:br>
+              <a:rPr lang="pt-BR" sz="4400" dirty="0"/>
+            </a:br>
+            <a:r>
+              <a:rPr lang="pt-BR" sz="4400" dirty="0"/>
+              <a:t>(medida de quão difícil é entender uma unidade de código)</a:t>
+            </a:r>
+            <a:endParaRPr lang="pt-BR" sz="1200" dirty="0"/>
           </a:p>
         </p:txBody>
       </p:sp>
     </p:spTree>
     <p:extLst>
       <p:ext uri="{BB962C8B-B14F-4D97-AF65-F5344CB8AC3E}">
-        <p14:creationId xmlns:p14="http://schemas.microsoft.com/office/powerpoint/2010/main" val="1729242448"/>
+        <p14:creationId xmlns:p14="http://schemas.microsoft.com/office/powerpoint/2010/main" val="488755247"/>
+      </p:ext>
+    </p:extLst>
+  </p:cSld>
+  <p:clrMapOvr>
+    <a:masterClrMapping/>
+  </p:clrMapOvr>
+</p:sld>
+</file>
+
+<file path=ppt/slides/slide18.xml><?xml version="1.0" encoding="utf-8"?>
+<p:sld xmlns:a="http://schemas.openxmlformats.org/drawingml/2006/main" xmlns:r="http://schemas.openxmlformats.org/officeDocument/2006/relationships" xmlns:p="http://schemas.openxmlformats.org/presentationml/2006/main">
+  <p:cSld>
+    <p:spTree>
+      <p:nvGrpSpPr>
+        <p:cNvPr id="1" name=""/>
+        <p:cNvGrpSpPr/>
+        <p:nvPr/>
+      </p:nvGrpSpPr>
+      <p:grpSpPr>
+        <a:xfrm>
+          <a:off x="0" y="0"/>
+          <a:ext cx="0" cy="0"/>
+          <a:chOff x="0" y="0"/>
+          <a:chExt cx="0" cy="0"/>
+        </a:xfrm>
+      </p:grpSpPr>
+      <p:sp>
+        <p:nvSpPr>
+          <p:cNvPr id="2" name="Title 1">
+            <a:extLst>
+              <a:ext uri="{FF2B5EF4-FFF2-40B4-BE49-F238E27FC236}">
+                <a16:creationId xmlns:a16="http://schemas.microsoft.com/office/drawing/2014/main" id="{DBED336F-DC17-4B18-900F-64647DA7971B}"/>
+              </a:ext>
+            </a:extLst>
+          </p:cNvPr>
+          <p:cNvSpPr>
+            <a:spLocks noGrp="1"/>
+          </p:cNvSpPr>
+          <p:nvPr>
+            <p:ph type="title"/>
+          </p:nvPr>
+        </p:nvSpPr>
+        <p:spPr>
+          <a:xfrm>
+            <a:off x="899276" y="1338231"/>
+            <a:ext cx="9429711" cy="3403600"/>
+          </a:xfrm>
+        </p:spPr>
+        <p:txBody>
+          <a:bodyPr>
+            <a:normAutofit fontScale="90000"/>
+          </a:bodyPr>
+          <a:lstStyle/>
+          <a:p>
+            <a:r>
+              <a:rPr lang="pt-BR" sz="4400" dirty="0"/>
+              <a:t>Complexidade ciclomática (a quantidade de caminhos de execução independentes, quanto maior o seu valor, maior a dificuldade de se entender, modificar e, consequentemente, testar o código)</a:t>
+            </a:r>
+            <a:endParaRPr lang="pt-BR" sz="1200" dirty="0"/>
+          </a:p>
+        </p:txBody>
+      </p:sp>
+    </p:spTree>
+    <p:extLst>
+      <p:ext uri="{BB962C8B-B14F-4D97-AF65-F5344CB8AC3E}">
+        <p14:creationId xmlns:p14="http://schemas.microsoft.com/office/powerpoint/2010/main" val="2021330388"/>
+      </p:ext>
+    </p:extLst>
+  </p:cSld>
+  <p:clrMapOvr>
+    <a:masterClrMapping/>
+  </p:clrMapOvr>
+</p:sld>
+</file>
+
+<file path=ppt/slides/slide19.xml><?xml version="1.0" encoding="utf-8"?>
+<p:sld xmlns:a="http://schemas.openxmlformats.org/drawingml/2006/main" xmlns:r="http://schemas.openxmlformats.org/officeDocument/2006/relationships" xmlns:p="http://schemas.openxmlformats.org/presentationml/2006/main">
+  <p:cSld>
+    <p:spTree>
+      <p:nvGrpSpPr>
+        <p:cNvPr id="1" name=""/>
+        <p:cNvGrpSpPr/>
+        <p:nvPr/>
+      </p:nvGrpSpPr>
+      <p:grpSpPr>
+        <a:xfrm>
+          <a:off x="0" y="0"/>
+          <a:ext cx="0" cy="0"/>
+          <a:chOff x="0" y="0"/>
+          <a:chExt cx="0" cy="0"/>
+        </a:xfrm>
+      </p:grpSpPr>
+      <p:sp>
+        <p:nvSpPr>
+          <p:cNvPr id="2" name="Title 1">
+            <a:extLst>
+              <a:ext uri="{FF2B5EF4-FFF2-40B4-BE49-F238E27FC236}">
+                <a16:creationId xmlns:a16="http://schemas.microsoft.com/office/drawing/2014/main" id="{DBED336F-DC17-4B18-900F-64647DA7971B}"/>
+              </a:ext>
+            </a:extLst>
+          </p:cNvPr>
+          <p:cNvSpPr>
+            <a:spLocks noGrp="1"/>
+          </p:cNvSpPr>
+          <p:nvPr>
+            <p:ph type="title"/>
+          </p:nvPr>
+        </p:nvSpPr>
+        <p:spPr>
+          <a:xfrm>
+            <a:off x="899276" y="1338231"/>
+            <a:ext cx="9429711" cy="3403600"/>
+          </a:xfrm>
+        </p:spPr>
+        <p:txBody>
+          <a:bodyPr>
+            <a:normAutofit fontScale="90000"/>
+          </a:bodyPr>
+          <a:lstStyle/>
+          <a:p>
+            <a:r>
+              <a:rPr lang="pt-BR" sz="4400" dirty="0"/>
+              <a:t>Quando detectadas essas complexidades são indicações diretas de que o código está violando o princípio de “SLAB – Single Level of Abstraction”.</a:t>
+            </a:r>
+            <a:br>
+              <a:rPr lang="pt-BR" sz="4400" dirty="0"/>
+            </a:br>
+            <a:endParaRPr lang="pt-BR" sz="1200" dirty="0"/>
+          </a:p>
+        </p:txBody>
+      </p:sp>
+    </p:spTree>
+    <p:extLst>
+      <p:ext uri="{BB962C8B-B14F-4D97-AF65-F5344CB8AC3E}">
+        <p14:creationId xmlns:p14="http://schemas.microsoft.com/office/powerpoint/2010/main" val="892253220"/>
       </p:ext>
     </p:extLst>
   </p:cSld>
@@ -7610,7 +7678,7 @@
         </p:spPr>
         <p:txBody>
           <a:bodyPr>
-            <a:normAutofit lnSpcReduction="10000"/>
+            <a:normAutofit/>
           </a:bodyPr>
           <a:lstStyle/>
           <a:p>
@@ -7622,13 +7690,21 @@
           <a:p>
             <a:r>
               <a:rPr lang="pt-BR" dirty="0"/>
-              <a:t>Sempre tentei ver além do código, entender aspectos mais amplos da solução e foi assim que a arquitetura foi ficando cada vez mais presente e relevante para mim.</a:t>
-            </a:r>
-          </a:p>
-          <a:p>
+              <a:t>Sempre tentei ver além do código, entender </a:t>
+            </a:r>
+            <a:r>
+              <a:rPr lang="pt-BR"/>
+              <a:t>aspectos amplos </a:t>
+            </a:r>
             <a:r>
               <a:rPr lang="pt-BR" dirty="0"/>
-              <a:t>Atualmente me sinto extremamente realizada e feliz atuando como gerente de arquitetura na </a:t>
+              <a:t>da solução e foi assim que a arquitetura foi ficando cada vez mais presente e relevante para mim.</a:t>
+            </a:r>
+          </a:p>
+          <a:p>
+            <a:r>
+              <a:rPr lang="pt-BR" dirty="0"/>
+              <a:t>Atualmente atuo como arquiteta na </a:t>
             </a:r>
             <a:r>
               <a:rPr lang="pt-BR" b="1" dirty="0"/>
@@ -7715,6 +7791,850 @@
 </p:sld>
 </file>
 
+<file path=ppt/slides/slide20.xml><?xml version="1.0" encoding="utf-8"?>
+<p:sld xmlns:a="http://schemas.openxmlformats.org/drawingml/2006/main" xmlns:r="http://schemas.openxmlformats.org/officeDocument/2006/relationships" xmlns:p="http://schemas.openxmlformats.org/presentationml/2006/main">
+  <p:cSld>
+    <p:spTree>
+      <p:nvGrpSpPr>
+        <p:cNvPr id="1" name=""/>
+        <p:cNvGrpSpPr/>
+        <p:nvPr/>
+      </p:nvGrpSpPr>
+      <p:grpSpPr>
+        <a:xfrm>
+          <a:off x="0" y="0"/>
+          <a:ext cx="0" cy="0"/>
+          <a:chOff x="0" y="0"/>
+          <a:chExt cx="0" cy="0"/>
+        </a:xfrm>
+      </p:grpSpPr>
+      <p:sp>
+        <p:nvSpPr>
+          <p:cNvPr id="2" name="Title 1">
+            <a:extLst>
+              <a:ext uri="{FF2B5EF4-FFF2-40B4-BE49-F238E27FC236}">
+                <a16:creationId xmlns:a16="http://schemas.microsoft.com/office/drawing/2014/main" id="{2FE1F2EC-4C2D-4CA2-9540-8F67DF18DF37}"/>
+              </a:ext>
+            </a:extLst>
+          </p:cNvPr>
+          <p:cNvSpPr>
+            <a:spLocks noGrp="1"/>
+          </p:cNvSpPr>
+          <p:nvPr>
+            <p:ph type="title"/>
+          </p:nvPr>
+        </p:nvSpPr>
+        <p:spPr/>
+        <p:txBody>
+          <a:bodyPr/>
+          <a:lstStyle/>
+          <a:p>
+            <a:r>
+              <a:rPr lang="pt-BR" dirty="0"/>
+              <a:t>Como saber se meu código possui estas complexidades?</a:t>
+            </a:r>
+          </a:p>
+        </p:txBody>
+      </p:sp>
+    </p:spTree>
+    <p:extLst>
+      <p:ext uri="{BB962C8B-B14F-4D97-AF65-F5344CB8AC3E}">
+        <p14:creationId xmlns:p14="http://schemas.microsoft.com/office/powerpoint/2010/main" val="2705320429"/>
+      </p:ext>
+    </p:extLst>
+  </p:cSld>
+  <p:clrMapOvr>
+    <a:masterClrMapping/>
+  </p:clrMapOvr>
+</p:sld>
+</file>
+
+<file path=ppt/slides/slide21.xml><?xml version="1.0" encoding="utf-8"?>
+<p:sld xmlns:a="http://schemas.openxmlformats.org/drawingml/2006/main" xmlns:r="http://schemas.openxmlformats.org/officeDocument/2006/relationships" xmlns:p="http://schemas.openxmlformats.org/presentationml/2006/main">
+  <p:cSld>
+    <p:spTree>
+      <p:nvGrpSpPr>
+        <p:cNvPr id="1" name=""/>
+        <p:cNvGrpSpPr/>
+        <p:nvPr/>
+      </p:nvGrpSpPr>
+      <p:grpSpPr>
+        <a:xfrm>
+          <a:off x="0" y="0"/>
+          <a:ext cx="0" cy="0"/>
+          <a:chOff x="0" y="0"/>
+          <a:chExt cx="0" cy="0"/>
+        </a:xfrm>
+      </p:grpSpPr>
+      <p:sp>
+        <p:nvSpPr>
+          <p:cNvPr id="2" name="Title 1">
+            <a:extLst>
+              <a:ext uri="{FF2B5EF4-FFF2-40B4-BE49-F238E27FC236}">
+                <a16:creationId xmlns:a16="http://schemas.microsoft.com/office/drawing/2014/main" id="{DBED336F-DC17-4B18-900F-64647DA7971B}"/>
+              </a:ext>
+            </a:extLst>
+          </p:cNvPr>
+          <p:cNvSpPr>
+            <a:spLocks noGrp="1"/>
+          </p:cNvSpPr>
+          <p:nvPr>
+            <p:ph type="title"/>
+          </p:nvPr>
+        </p:nvSpPr>
+        <p:spPr>
+          <a:xfrm>
+            <a:off x="703968" y="1382619"/>
+            <a:ext cx="8596668" cy="3403600"/>
+          </a:xfrm>
+        </p:spPr>
+        <p:txBody>
+          <a:bodyPr>
+            <a:normAutofit fontScale="90000"/>
+          </a:bodyPr>
+          <a:lstStyle/>
+          <a:p>
+            <a:r>
+              <a:rPr lang="pt-BR" sz="4400" dirty="0"/>
+              <a:t>Conseguimos essa análise através do code análise da própria IDE, ferramentas de análise estática de código como SonarQube, Ndepend, ReSharper, rodando local, em container ou na cloud</a:t>
+            </a:r>
+            <a:br>
+              <a:rPr lang="pt-BR" sz="4400" dirty="0"/>
+            </a:br>
+            <a:endParaRPr lang="pt-BR" sz="1200" dirty="0"/>
+          </a:p>
+        </p:txBody>
+      </p:sp>
+    </p:spTree>
+    <p:extLst>
+      <p:ext uri="{BB962C8B-B14F-4D97-AF65-F5344CB8AC3E}">
+        <p14:creationId xmlns:p14="http://schemas.microsoft.com/office/powerpoint/2010/main" val="2633845088"/>
+      </p:ext>
+    </p:extLst>
+  </p:cSld>
+  <p:clrMapOvr>
+    <a:masterClrMapping/>
+  </p:clrMapOvr>
+</p:sld>
+</file>
+
+<file path=ppt/slides/slide22.xml><?xml version="1.0" encoding="utf-8"?>
+<p:sld xmlns:a="http://schemas.openxmlformats.org/drawingml/2006/main" xmlns:r="http://schemas.openxmlformats.org/officeDocument/2006/relationships" xmlns:p="http://schemas.openxmlformats.org/presentationml/2006/main">
+  <p:cSld>
+    <p:spTree>
+      <p:nvGrpSpPr>
+        <p:cNvPr id="1" name=""/>
+        <p:cNvGrpSpPr/>
+        <p:nvPr/>
+      </p:nvGrpSpPr>
+      <p:grpSpPr>
+        <a:xfrm>
+          <a:off x="0" y="0"/>
+          <a:ext cx="0" cy="0"/>
+          <a:chOff x="0" y="0"/>
+          <a:chExt cx="0" cy="0"/>
+        </a:xfrm>
+      </p:grpSpPr>
+      <p:sp>
+        <p:nvSpPr>
+          <p:cNvPr id="2" name="Title 1">
+            <a:extLst>
+              <a:ext uri="{FF2B5EF4-FFF2-40B4-BE49-F238E27FC236}">
+                <a16:creationId xmlns:a16="http://schemas.microsoft.com/office/drawing/2014/main" id="{51FFE057-6616-4815-84CC-2E73711165A7}"/>
+              </a:ext>
+            </a:extLst>
+          </p:cNvPr>
+          <p:cNvSpPr>
+            <a:spLocks noGrp="1"/>
+          </p:cNvSpPr>
+          <p:nvPr>
+            <p:ph type="title"/>
+          </p:nvPr>
+        </p:nvSpPr>
+        <p:spPr/>
+        <p:txBody>
+          <a:bodyPr/>
+          <a:lstStyle/>
+          <a:p>
+            <a:r>
+              <a:rPr lang="pt-BR" dirty="0"/>
+              <a:t>Qual exatamente a regra do SLAB?</a:t>
+            </a:r>
+          </a:p>
+        </p:txBody>
+      </p:sp>
+      <p:sp>
+        <p:nvSpPr>
+          <p:cNvPr id="3" name="Text Placeholder 2">
+            <a:extLst>
+              <a:ext uri="{FF2B5EF4-FFF2-40B4-BE49-F238E27FC236}">
+                <a16:creationId xmlns:a16="http://schemas.microsoft.com/office/drawing/2014/main" id="{345E171C-DBA3-499A-ABBC-1BFE7924E6D7}"/>
+              </a:ext>
+            </a:extLst>
+          </p:cNvPr>
+          <p:cNvSpPr>
+            <a:spLocks noGrp="1"/>
+          </p:cNvSpPr>
+          <p:nvPr>
+            <p:ph type="body" idx="1"/>
+          </p:nvPr>
+        </p:nvSpPr>
+        <p:spPr/>
+        <p:txBody>
+          <a:bodyPr/>
+          <a:lstStyle/>
+          <a:p>
+            <a:endParaRPr lang="pt-BR"/>
+          </a:p>
+        </p:txBody>
+      </p:sp>
+    </p:spTree>
+    <p:extLst>
+      <p:ext uri="{BB962C8B-B14F-4D97-AF65-F5344CB8AC3E}">
+        <p14:creationId xmlns:p14="http://schemas.microsoft.com/office/powerpoint/2010/main" val="2266405066"/>
+      </p:ext>
+    </p:extLst>
+  </p:cSld>
+  <p:clrMapOvr>
+    <a:masterClrMapping/>
+  </p:clrMapOvr>
+</p:sld>
+</file>
+
+<file path=ppt/slides/slide23.xml><?xml version="1.0" encoding="utf-8"?>
+<p:sld xmlns:a="http://schemas.openxmlformats.org/drawingml/2006/main" xmlns:r="http://schemas.openxmlformats.org/officeDocument/2006/relationships" xmlns:p="http://schemas.openxmlformats.org/presentationml/2006/main">
+  <p:cSld>
+    <p:spTree>
+      <p:nvGrpSpPr>
+        <p:cNvPr id="1" name=""/>
+        <p:cNvGrpSpPr/>
+        <p:nvPr/>
+      </p:nvGrpSpPr>
+      <p:grpSpPr>
+        <a:xfrm>
+          <a:off x="0" y="0"/>
+          <a:ext cx="0" cy="0"/>
+          <a:chOff x="0" y="0"/>
+          <a:chExt cx="0" cy="0"/>
+        </a:xfrm>
+      </p:grpSpPr>
+      <p:sp>
+        <p:nvSpPr>
+          <p:cNvPr id="2" name="Title 1">
+            <a:extLst>
+              <a:ext uri="{FF2B5EF4-FFF2-40B4-BE49-F238E27FC236}">
+                <a16:creationId xmlns:a16="http://schemas.microsoft.com/office/drawing/2014/main" id="{4D4CE622-6C4B-430A-86D5-33D1A6F6E0E2}"/>
+              </a:ext>
+            </a:extLst>
+          </p:cNvPr>
+          <p:cNvSpPr>
+            <a:spLocks noGrp="1"/>
+          </p:cNvSpPr>
+          <p:nvPr>
+            <p:ph type="title"/>
+          </p:nvPr>
+        </p:nvSpPr>
+        <p:spPr>
+          <a:xfrm>
+            <a:off x="792745" y="2225336"/>
+            <a:ext cx="8596668" cy="3403600"/>
+          </a:xfrm>
+        </p:spPr>
+        <p:txBody>
+          <a:bodyPr>
+            <a:normAutofit fontScale="90000"/>
+          </a:bodyPr>
+          <a:lstStyle/>
+          <a:p>
+            <a:r>
+              <a:rPr lang="pt-BR" dirty="0"/>
+              <a:t>O código-fonte dentro de cada método deve se referir a conceitos e mecanismos relevantes para apenas um nível de “complexidade operacional” de sua aplicação ou seja código deve lidar com conceitos relacionados a apenas um nível de abstração. Sem mistura! </a:t>
+            </a:r>
+            <a:br>
+              <a:rPr lang="pt-BR" sz="3600" dirty="0"/>
+            </a:br>
+            <a:br>
+              <a:rPr lang="pt-BR" sz="3600" dirty="0"/>
+            </a:br>
+            <a:br>
+              <a:rPr lang="pt-BR" sz="4400" dirty="0"/>
+            </a:br>
+            <a:endParaRPr lang="pt-BR" dirty="0"/>
+          </a:p>
+        </p:txBody>
+      </p:sp>
+    </p:spTree>
+    <p:extLst>
+      <p:ext uri="{BB962C8B-B14F-4D97-AF65-F5344CB8AC3E}">
+        <p14:creationId xmlns:p14="http://schemas.microsoft.com/office/powerpoint/2010/main" val="2610074617"/>
+      </p:ext>
+    </p:extLst>
+  </p:cSld>
+  <p:clrMapOvr>
+    <a:masterClrMapping/>
+  </p:clrMapOvr>
+</p:sld>
+</file>
+
+<file path=ppt/slides/slide24.xml><?xml version="1.0" encoding="utf-8"?>
+<p:sld xmlns:a="http://schemas.openxmlformats.org/drawingml/2006/main" xmlns:r="http://schemas.openxmlformats.org/officeDocument/2006/relationships" xmlns:p="http://schemas.openxmlformats.org/presentationml/2006/main">
+  <p:cSld>
+    <p:spTree>
+      <p:nvGrpSpPr>
+        <p:cNvPr id="1" name=""/>
+        <p:cNvGrpSpPr/>
+        <p:nvPr/>
+      </p:nvGrpSpPr>
+      <p:grpSpPr>
+        <a:xfrm>
+          <a:off x="0" y="0"/>
+          <a:ext cx="0" cy="0"/>
+          <a:chOff x="0" y="0"/>
+          <a:chExt cx="0" cy="0"/>
+        </a:xfrm>
+      </p:grpSpPr>
+      <p:sp>
+        <p:nvSpPr>
+          <p:cNvPr id="2" name="Title 1">
+            <a:extLst>
+              <a:ext uri="{FF2B5EF4-FFF2-40B4-BE49-F238E27FC236}">
+                <a16:creationId xmlns:a16="http://schemas.microsoft.com/office/drawing/2014/main" id="{6E83F3F3-7E11-4149-86D2-7633A3BE2A1C}"/>
+              </a:ext>
+            </a:extLst>
+          </p:cNvPr>
+          <p:cNvSpPr>
+            <a:spLocks noGrp="1"/>
+          </p:cNvSpPr>
+          <p:nvPr>
+            <p:ph type="title"/>
+          </p:nvPr>
+        </p:nvSpPr>
+        <p:spPr>
+          <a:xfrm>
+            <a:off x="917032" y="1435223"/>
+            <a:ext cx="8596668" cy="3403600"/>
+          </a:xfrm>
+        </p:spPr>
+        <p:txBody>
+          <a:bodyPr>
+            <a:normAutofit fontScale="90000"/>
+          </a:bodyPr>
+          <a:lstStyle/>
+          <a:p>
+            <a:r>
+              <a:rPr lang="pt-BR" sz="4400" dirty="0"/>
+              <a:t>Parece simples, mas, na prática, pode ser um desafio aplicar esse princípio em um código real porque é… bem, abstrato porque o definir sobre o que estamos tratando em determinado trecho do código não é tão simples, pode ficar pendido a interpretações.</a:t>
+            </a:r>
+            <a:endParaRPr lang="pt-BR" dirty="0"/>
+          </a:p>
+        </p:txBody>
+      </p:sp>
+    </p:spTree>
+    <p:extLst>
+      <p:ext uri="{BB962C8B-B14F-4D97-AF65-F5344CB8AC3E}">
+        <p14:creationId xmlns:p14="http://schemas.microsoft.com/office/powerpoint/2010/main" val="641622271"/>
+      </p:ext>
+    </p:extLst>
+  </p:cSld>
+  <p:clrMapOvr>
+    <a:masterClrMapping/>
+  </p:clrMapOvr>
+</p:sld>
+</file>
+
+<file path=ppt/slides/slide25.xml><?xml version="1.0" encoding="utf-8"?>
+<p:sld xmlns:a="http://schemas.openxmlformats.org/drawingml/2006/main" xmlns:r="http://schemas.openxmlformats.org/officeDocument/2006/relationships" xmlns:p="http://schemas.openxmlformats.org/presentationml/2006/main">
+  <p:cSld>
+    <p:spTree>
+      <p:nvGrpSpPr>
+        <p:cNvPr id="1" name=""/>
+        <p:cNvGrpSpPr/>
+        <p:nvPr/>
+      </p:nvGrpSpPr>
+      <p:grpSpPr>
+        <a:xfrm>
+          <a:off x="0" y="0"/>
+          <a:ext cx="0" cy="0"/>
+          <a:chOff x="0" y="0"/>
+          <a:chExt cx="0" cy="0"/>
+        </a:xfrm>
+      </p:grpSpPr>
+      <p:sp>
+        <p:nvSpPr>
+          <p:cNvPr id="2" name="Title 1">
+            <a:extLst>
+              <a:ext uri="{FF2B5EF4-FFF2-40B4-BE49-F238E27FC236}">
+                <a16:creationId xmlns:a16="http://schemas.microsoft.com/office/drawing/2014/main" id="{C81803CA-E887-4FC7-AD96-39E2CF45B143}"/>
+              </a:ext>
+            </a:extLst>
+          </p:cNvPr>
+          <p:cNvSpPr>
+            <a:spLocks noGrp="1"/>
+          </p:cNvSpPr>
+          <p:nvPr>
+            <p:ph type="title"/>
+          </p:nvPr>
+        </p:nvSpPr>
+        <p:spPr>
+          <a:xfrm>
+            <a:off x="677335" y="609600"/>
+            <a:ext cx="9269098" cy="4930066"/>
+          </a:xfrm>
+        </p:spPr>
+        <p:txBody>
+          <a:bodyPr>
+            <a:noAutofit/>
+          </a:bodyPr>
+          <a:lstStyle/>
+          <a:p>
+            <a:r>
+              <a:rPr lang="pt-BR" sz="2800" dirty="0"/>
+              <a:t>Por exemplo, se um método cria e executa solicitações HTTP, de acordo com o SLAB ele também não deve processar o JSON resultante.</a:t>
+            </a:r>
+            <a:br>
+              <a:rPr lang="pt-BR" sz="2800" dirty="0"/>
+            </a:br>
+            <a:br>
+              <a:rPr lang="pt-BR" sz="2800" dirty="0"/>
+            </a:br>
+            <a:br>
+              <a:rPr lang="pt-BR" sz="2800" dirty="0"/>
+            </a:br>
+            <a:r>
+              <a:rPr lang="pt-BR" sz="2800" dirty="0"/>
+              <a:t>Estes são diferentes níveis de abstração: </a:t>
+            </a:r>
+            <a:br>
+              <a:rPr lang="pt-BR" sz="2800" dirty="0"/>
+            </a:br>
+            <a:br>
+              <a:rPr lang="pt-BR" sz="2800" dirty="0"/>
+            </a:br>
+            <a:r>
+              <a:rPr lang="pt-BR" sz="2800" dirty="0"/>
+              <a:t>- Um é sobre comunicação via HTTP </a:t>
+            </a:r>
+            <a:br>
+              <a:rPr lang="pt-BR" sz="2800" dirty="0"/>
+            </a:br>
+            <a:br>
+              <a:rPr lang="pt-BR" sz="2800" dirty="0"/>
+            </a:br>
+            <a:r>
+              <a:rPr lang="pt-BR" sz="2800" dirty="0"/>
+              <a:t>- O outro é sobre formato e layout de dados específicos.</a:t>
+            </a:r>
+            <a:br>
+              <a:rPr lang="pt-BR" sz="2800" dirty="0"/>
+            </a:br>
+            <a:r>
+              <a:rPr lang="pt-BR" sz="2800" dirty="0"/>
+              <a:t> </a:t>
+            </a:r>
+            <a:br>
+              <a:rPr lang="pt-BR" sz="2800" dirty="0"/>
+            </a:br>
+            <a:endParaRPr lang="pt-BR" sz="2800" dirty="0"/>
+          </a:p>
+        </p:txBody>
+      </p:sp>
+    </p:spTree>
+    <p:extLst>
+      <p:ext uri="{BB962C8B-B14F-4D97-AF65-F5344CB8AC3E}">
+        <p14:creationId xmlns:p14="http://schemas.microsoft.com/office/powerpoint/2010/main" val="709531989"/>
+      </p:ext>
+    </p:extLst>
+  </p:cSld>
+  <p:clrMapOvr>
+    <a:masterClrMapping/>
+  </p:clrMapOvr>
+</p:sld>
+</file>
+
+<file path=ppt/slides/slide26.xml><?xml version="1.0" encoding="utf-8"?>
+<p:sld xmlns:a="http://schemas.openxmlformats.org/drawingml/2006/main" xmlns:r="http://schemas.openxmlformats.org/officeDocument/2006/relationships" xmlns:p="http://schemas.openxmlformats.org/presentationml/2006/main">
+  <p:cSld>
+    <p:spTree>
+      <p:nvGrpSpPr>
+        <p:cNvPr id="1" name=""/>
+        <p:cNvGrpSpPr/>
+        <p:nvPr/>
+      </p:nvGrpSpPr>
+      <p:grpSpPr>
+        <a:xfrm>
+          <a:off x="0" y="0"/>
+          <a:ext cx="0" cy="0"/>
+          <a:chOff x="0" y="0"/>
+          <a:chExt cx="0" cy="0"/>
+        </a:xfrm>
+      </p:grpSpPr>
+      <p:sp>
+        <p:nvSpPr>
+          <p:cNvPr id="2" name="Title 1">
+            <a:extLst>
+              <a:ext uri="{FF2B5EF4-FFF2-40B4-BE49-F238E27FC236}">
+                <a16:creationId xmlns:a16="http://schemas.microsoft.com/office/drawing/2014/main" id="{EB3A38D4-F653-46F9-8043-8E1CBF7C7408}"/>
+              </a:ext>
+            </a:extLst>
+          </p:cNvPr>
+          <p:cNvSpPr>
+            <a:spLocks noGrp="1"/>
+          </p:cNvSpPr>
+          <p:nvPr>
+            <p:ph type="title"/>
+          </p:nvPr>
+        </p:nvSpPr>
+        <p:spPr/>
+        <p:txBody>
+          <a:bodyPr>
+            <a:normAutofit fontScale="90000"/>
+          </a:bodyPr>
+          <a:lstStyle/>
+          <a:p>
+            <a:br>
+              <a:rPr lang="pt-BR" dirty="0"/>
+            </a:br>
+            <a:r>
+              <a:rPr lang="pt-BR" dirty="0"/>
+              <a:t> </a:t>
+            </a:r>
+            <a:br>
+              <a:rPr lang="pt-BR" dirty="0"/>
+            </a:br>
+            <a:r>
+              <a:rPr lang="pt-BR" dirty="0"/>
+              <a:t>Vamos aos exemplos de código que esclarecerão o SLAP para você. </a:t>
+            </a:r>
+          </a:p>
+        </p:txBody>
+      </p:sp>
+    </p:spTree>
+    <p:extLst>
+      <p:ext uri="{BB962C8B-B14F-4D97-AF65-F5344CB8AC3E}">
+        <p14:creationId xmlns:p14="http://schemas.microsoft.com/office/powerpoint/2010/main" val="199364979"/>
+      </p:ext>
+    </p:extLst>
+  </p:cSld>
+  <p:clrMapOvr>
+    <a:masterClrMapping/>
+  </p:clrMapOvr>
+</p:sld>
+</file>
+
+<file path=ppt/slides/slide27.xml><?xml version="1.0" encoding="utf-8"?>
+<p:sld xmlns:a="http://schemas.openxmlformats.org/drawingml/2006/main" xmlns:r="http://schemas.openxmlformats.org/officeDocument/2006/relationships" xmlns:p="http://schemas.openxmlformats.org/presentationml/2006/main">
+  <p:cSld>
+    <p:spTree>
+      <p:nvGrpSpPr>
+        <p:cNvPr id="1" name=""/>
+        <p:cNvGrpSpPr/>
+        <p:nvPr/>
+      </p:nvGrpSpPr>
+      <p:grpSpPr>
+        <a:xfrm>
+          <a:off x="0" y="0"/>
+          <a:ext cx="0" cy="0"/>
+          <a:chOff x="0" y="0"/>
+          <a:chExt cx="0" cy="0"/>
+        </a:xfrm>
+      </p:grpSpPr>
+      <p:sp>
+        <p:nvSpPr>
+          <p:cNvPr id="2" name="Title 1">
+            <a:extLst>
+              <a:ext uri="{FF2B5EF4-FFF2-40B4-BE49-F238E27FC236}">
+                <a16:creationId xmlns:a16="http://schemas.microsoft.com/office/drawing/2014/main" id="{7F9007E1-9C48-4D8A-9525-4D16B98B3BC0}"/>
+              </a:ext>
+            </a:extLst>
+          </p:cNvPr>
+          <p:cNvSpPr>
+            <a:spLocks noGrp="1"/>
+          </p:cNvSpPr>
+          <p:nvPr>
+            <p:ph type="title"/>
+          </p:nvPr>
+        </p:nvSpPr>
+        <p:spPr>
+          <a:xfrm>
+            <a:off x="677335" y="609600"/>
+            <a:ext cx="8596668" cy="5578136"/>
+          </a:xfrm>
+        </p:spPr>
+        <p:txBody>
+          <a:bodyPr>
+            <a:noAutofit/>
+          </a:bodyPr>
+          <a:lstStyle/>
+          <a:p>
+            <a:r>
+              <a:rPr lang="pt-BR" sz="2800" dirty="0"/>
+              <a:t>Resumo </a:t>
+            </a:r>
+            <a:br>
+              <a:rPr lang="pt-BR" sz="2800" dirty="0"/>
+            </a:br>
+            <a:br>
+              <a:rPr lang="pt-BR" sz="2800" dirty="0"/>
+            </a:br>
+            <a:r>
+              <a:rPr lang="pt-BR" sz="2800" dirty="0"/>
+              <a:t>O SLAB ou Nível Único de Abstração é um princípio de codificação limpo que melhora principalmente a legibilidade do código. </a:t>
+            </a:r>
+            <a:br>
+              <a:rPr lang="pt-BR" sz="2800" dirty="0"/>
+            </a:br>
+            <a:br>
+              <a:rPr lang="pt-BR" sz="2800" dirty="0"/>
+            </a:br>
+            <a:r>
+              <a:rPr lang="pt-BR" sz="2800" dirty="0"/>
+              <a:t>Isso também ajuda a manter um método complexo, refatorando-o ainda mais em pedaços menores de código. </a:t>
+            </a:r>
+            <a:br>
+              <a:rPr lang="pt-BR" sz="2800" dirty="0"/>
+            </a:br>
+            <a:br>
+              <a:rPr lang="pt-BR" sz="2800" dirty="0"/>
+            </a:br>
+            <a:endParaRPr lang="pt-BR" sz="2800" dirty="0"/>
+          </a:p>
+        </p:txBody>
+      </p:sp>
+    </p:spTree>
+    <p:extLst>
+      <p:ext uri="{BB962C8B-B14F-4D97-AF65-F5344CB8AC3E}">
+        <p14:creationId xmlns:p14="http://schemas.microsoft.com/office/powerpoint/2010/main" val="585268781"/>
+      </p:ext>
+    </p:extLst>
+  </p:cSld>
+  <p:clrMapOvr>
+    <a:masterClrMapping/>
+  </p:clrMapOvr>
+</p:sld>
+</file>
+
+<file path=ppt/slides/slide28.xml><?xml version="1.0" encoding="utf-8"?>
+<p:sld xmlns:a="http://schemas.openxmlformats.org/drawingml/2006/main" xmlns:r="http://schemas.openxmlformats.org/officeDocument/2006/relationships" xmlns:p="http://schemas.openxmlformats.org/presentationml/2006/main">
+  <p:cSld>
+    <p:spTree>
+      <p:nvGrpSpPr>
+        <p:cNvPr id="1" name=""/>
+        <p:cNvGrpSpPr/>
+        <p:nvPr/>
+      </p:nvGrpSpPr>
+      <p:grpSpPr>
+        <a:xfrm>
+          <a:off x="0" y="0"/>
+          <a:ext cx="0" cy="0"/>
+          <a:chOff x="0" y="0"/>
+          <a:chExt cx="0" cy="0"/>
+        </a:xfrm>
+      </p:grpSpPr>
+      <p:sp>
+        <p:nvSpPr>
+          <p:cNvPr id="2" name="Title 1">
+            <a:extLst>
+              <a:ext uri="{FF2B5EF4-FFF2-40B4-BE49-F238E27FC236}">
+                <a16:creationId xmlns:a16="http://schemas.microsoft.com/office/drawing/2014/main" id="{7F9007E1-9C48-4D8A-9525-4D16B98B3BC0}"/>
+              </a:ext>
+            </a:extLst>
+          </p:cNvPr>
+          <p:cNvSpPr>
+            <a:spLocks noGrp="1"/>
+          </p:cNvSpPr>
+          <p:nvPr>
+            <p:ph type="title"/>
+          </p:nvPr>
+        </p:nvSpPr>
+        <p:spPr>
+          <a:xfrm>
+            <a:off x="677335" y="609600"/>
+            <a:ext cx="8596668" cy="5578136"/>
+          </a:xfrm>
+        </p:spPr>
+        <p:txBody>
+          <a:bodyPr>
+            <a:normAutofit/>
+          </a:bodyPr>
+          <a:lstStyle/>
+          <a:p>
+            <a:br>
+              <a:rPr lang="pt-BR" sz="2800" dirty="0"/>
+            </a:br>
+            <a:r>
+              <a:rPr lang="pt-BR" sz="2800" dirty="0"/>
+              <a:t>Em geral, qualquer condição complexa, loop ou bloco lógico de código pode ser classificado como um nível diferente de abstração e pode estar violando o SLAB.</a:t>
+            </a:r>
+            <a:br>
+              <a:rPr lang="pt-BR" sz="2800" dirty="0"/>
+            </a:br>
+            <a:br>
+              <a:rPr lang="pt-BR" sz="2800" dirty="0"/>
+            </a:br>
+            <a:r>
+              <a:rPr lang="pt-BR" sz="2800" dirty="0"/>
+              <a:t>Como uma extensão do SRP (princípio da responsabilidade única) e SOC (separação de conceitos), esse princípio atua como uma força orientadora e enfatiza o aspecto de legibilidade das práticas de codificação limpas.</a:t>
+            </a:r>
+          </a:p>
+        </p:txBody>
+      </p:sp>
+    </p:spTree>
+    <p:extLst>
+      <p:ext uri="{BB962C8B-B14F-4D97-AF65-F5344CB8AC3E}">
+        <p14:creationId xmlns:p14="http://schemas.microsoft.com/office/powerpoint/2010/main" val="3811805638"/>
+      </p:ext>
+    </p:extLst>
+  </p:cSld>
+  <p:clrMapOvr>
+    <a:masterClrMapping/>
+  </p:clrMapOvr>
+</p:sld>
+</file>
+
+<file path=ppt/slides/slide29.xml><?xml version="1.0" encoding="utf-8"?>
+<p:sld xmlns:a="http://schemas.openxmlformats.org/drawingml/2006/main" xmlns:r="http://schemas.openxmlformats.org/officeDocument/2006/relationships" xmlns:p="http://schemas.openxmlformats.org/presentationml/2006/main">
+  <p:cSld>
+    <p:spTree>
+      <p:nvGrpSpPr>
+        <p:cNvPr id="1" name=""/>
+        <p:cNvGrpSpPr/>
+        <p:nvPr/>
+      </p:nvGrpSpPr>
+      <p:grpSpPr>
+        <a:xfrm>
+          <a:off x="0" y="0"/>
+          <a:ext cx="0" cy="0"/>
+          <a:chOff x="0" y="0"/>
+          <a:chExt cx="0" cy="0"/>
+        </a:xfrm>
+      </p:grpSpPr>
+      <p:sp>
+        <p:nvSpPr>
+          <p:cNvPr id="2" name="Title 1">
+            <a:extLst>
+              <a:ext uri="{FF2B5EF4-FFF2-40B4-BE49-F238E27FC236}">
+                <a16:creationId xmlns:a16="http://schemas.microsoft.com/office/drawing/2014/main" id="{BED42821-50E5-4ADA-8E41-A4711CEE7D7C}"/>
+              </a:ext>
+            </a:extLst>
+          </p:cNvPr>
+          <p:cNvSpPr>
+            <a:spLocks noGrp="1"/>
+          </p:cNvSpPr>
+          <p:nvPr>
+            <p:ph type="title"/>
+          </p:nvPr>
+        </p:nvSpPr>
+        <p:spPr>
+          <a:xfrm>
+            <a:off x="677335" y="609600"/>
+            <a:ext cx="8596668" cy="5640280"/>
+          </a:xfrm>
+        </p:spPr>
+        <p:txBody>
+          <a:bodyPr>
+            <a:normAutofit fontScale="90000"/>
+          </a:bodyPr>
+          <a:lstStyle/>
+          <a:p>
+            <a:r>
+              <a:rPr lang="pt-BR" sz="2800" b="0" i="0" dirty="0">
+                <a:effectLst/>
+                <a:latin typeface="Open Sans" panose="020B0606030504020204" pitchFamily="34" charset="0"/>
+              </a:rPr>
+              <a:t>Concluindo</a:t>
+            </a:r>
+            <a:r>
+              <a:rPr lang="pt-BR" sz="2800" dirty="0">
+                <a:latin typeface="Open Sans" panose="020B0606030504020204" pitchFamily="34" charset="0"/>
+              </a:rPr>
+              <a:t>:</a:t>
+            </a:r>
+            <a:br>
+              <a:rPr lang="pt-BR" sz="2800" dirty="0">
+                <a:latin typeface="Open Sans" panose="020B0606030504020204" pitchFamily="34" charset="0"/>
+              </a:rPr>
+            </a:br>
+            <a:br>
+              <a:rPr lang="pt-BR" sz="2800" b="0" i="0" dirty="0">
+                <a:effectLst/>
+                <a:latin typeface="Open Sans" panose="020B0606030504020204" pitchFamily="34" charset="0"/>
+              </a:rPr>
+            </a:br>
+            <a:r>
+              <a:rPr lang="pt-BR" sz="2800" b="0" i="0" dirty="0">
+                <a:effectLst/>
+                <a:latin typeface="Open Sans" panose="020B0606030504020204" pitchFamily="34" charset="0"/>
+              </a:rPr>
+              <a:t>Manter os métodos em um único nível de abstração ajuda a melhorar a legibilidade. </a:t>
+            </a:r>
+            <a:br>
+              <a:rPr lang="pt-BR" sz="2800" b="0" i="0" dirty="0">
+                <a:effectLst/>
+                <a:latin typeface="Open Sans" panose="020B0606030504020204" pitchFamily="34" charset="0"/>
+              </a:rPr>
+            </a:br>
+            <a:br>
+              <a:rPr lang="pt-BR" sz="2800" b="0" i="0" dirty="0">
+                <a:effectLst/>
+                <a:latin typeface="Open Sans" panose="020B0606030504020204" pitchFamily="34" charset="0"/>
+              </a:rPr>
+            </a:br>
+            <a:r>
+              <a:rPr lang="pt-BR" sz="2800" b="0" i="0" dirty="0">
+                <a:effectLst/>
+                <a:latin typeface="Open Sans" panose="020B0606030504020204" pitchFamily="34" charset="0"/>
+              </a:rPr>
+              <a:t>A dificuldade vem do aumento da capacidade cognitiva necessária para acompanhar o entendimento e podemos resolver isso decompondo métodos longos em métodos compostos. </a:t>
+            </a:r>
+            <a:br>
+              <a:rPr lang="pt-BR" sz="2800" b="0" i="0" dirty="0">
+                <a:effectLst/>
+                <a:latin typeface="Open Sans" panose="020B0606030504020204" pitchFamily="34" charset="0"/>
+              </a:rPr>
+            </a:br>
+            <a:br>
+              <a:rPr lang="pt-BR" sz="2800" b="0" i="0" dirty="0">
+                <a:effectLst/>
+                <a:latin typeface="Open Sans" panose="020B0606030504020204" pitchFamily="34" charset="0"/>
+              </a:rPr>
+            </a:br>
+            <a:r>
+              <a:rPr lang="pt-BR" sz="2800" b="0" i="0" dirty="0">
+                <a:effectLst/>
+                <a:latin typeface="Open Sans" panose="020B0606030504020204" pitchFamily="34" charset="0"/>
+              </a:rPr>
+              <a:t>Faça isso extraindo blocos </a:t>
+            </a:r>
+            <a:r>
+              <a:rPr lang="pt-BR" sz="2800" dirty="0">
+                <a:latin typeface="Open Sans" panose="020B0606030504020204" pitchFamily="34" charset="0"/>
+              </a:rPr>
+              <a:t>em métodos </a:t>
+            </a:r>
+            <a:r>
+              <a:rPr lang="pt-BR" sz="2800" b="0" i="0" dirty="0">
+                <a:effectLst/>
+                <a:latin typeface="Open Sans" panose="020B0606030504020204" pitchFamily="34" charset="0"/>
+              </a:rPr>
+              <a:t>menores, claramente nomeados, ou seja que expressam a intenção. </a:t>
+            </a:r>
+            <a:endParaRPr lang="pt-BR" sz="2800" dirty="0"/>
+          </a:p>
+        </p:txBody>
+      </p:sp>
+    </p:spTree>
+    <p:extLst>
+      <p:ext uri="{BB962C8B-B14F-4D97-AF65-F5344CB8AC3E}">
+        <p14:creationId xmlns:p14="http://schemas.microsoft.com/office/powerpoint/2010/main" val="2307036273"/>
+      </p:ext>
+    </p:extLst>
+  </p:cSld>
+  <p:clrMapOvr>
+    <a:masterClrMapping/>
+  </p:clrMapOvr>
+</p:sld>
+</file>
+
 <file path=ppt/slides/slide3.xml><?xml version="1.0" encoding="utf-8"?>
 <p:sld xmlns:a="http://schemas.openxmlformats.org/drawingml/2006/main" xmlns:r="http://schemas.openxmlformats.org/officeDocument/2006/relationships" xmlns:p="http://schemas.openxmlformats.org/presentationml/2006/main">
   <p:cSld>
@@ -7737,7 +8657,7 @@
           <p:cNvPr id="2" name="Title 1">
             <a:extLst>
               <a:ext uri="{FF2B5EF4-FFF2-40B4-BE49-F238E27FC236}">
-                <a16:creationId xmlns:a16="http://schemas.microsoft.com/office/drawing/2014/main" id="{378B85A6-5C54-4CB1-A3DC-CE8E19229E85}"/>
+                <a16:creationId xmlns:a16="http://schemas.microsoft.com/office/drawing/2014/main" id="{91B24D25-3F20-4F36-9757-E8D588E7DA9A}"/>
               </a:ext>
             </a:extLst>
           </p:cNvPr>
@@ -7748,19 +8668,14 @@
             <p:ph type="title"/>
           </p:nvPr>
         </p:nvSpPr>
-        <p:spPr>
-          <a:xfrm>
-            <a:off x="1033550" y="4717139"/>
-            <a:ext cx="8596668" cy="1320800"/>
-          </a:xfrm>
-        </p:spPr>
+        <p:spPr/>
         <p:txBody>
           <a:bodyPr/>
           <a:lstStyle/>
           <a:p>
             <a:r>
               <a:rPr lang="pt-BR" dirty="0"/>
-              <a:t> “Bons programadores escrevem código que os humanos podem entender.”</a:t>
+              <a:t>Agenda</a:t>
             </a:r>
           </a:p>
         </p:txBody>
@@ -7770,7 +8685,7 @@
           <p:cNvPr id="3" name="Content Placeholder 2">
             <a:extLst>
               <a:ext uri="{FF2B5EF4-FFF2-40B4-BE49-F238E27FC236}">
-                <a16:creationId xmlns:a16="http://schemas.microsoft.com/office/drawing/2014/main" id="{5F60D676-7069-4E61-9E6D-DEB59524D7A9}"/>
+                <a16:creationId xmlns:a16="http://schemas.microsoft.com/office/drawing/2014/main" id="{94D7B406-D47D-4C18-99D7-D2DED7D4CF15}"/>
               </a:ext>
             </a:extLst>
           </p:cNvPr>
@@ -7781,99 +8696,135 @@
             <p:ph idx="1"/>
           </p:nvPr>
         </p:nvSpPr>
-        <p:spPr>
-          <a:xfrm>
-            <a:off x="597433" y="820061"/>
-            <a:ext cx="9337141" cy="3880773"/>
-          </a:xfrm>
-        </p:spPr>
-        <p:txBody>
-          <a:bodyPr>
-            <a:normAutofit fontScale="85000" lnSpcReduction="10000"/>
-          </a:bodyPr>
-          <a:lstStyle/>
-          <a:p>
-            <a:pPr marL="0" indent="0">
-              <a:buNone/>
-            </a:pPr>
+        <p:spPr/>
+        <p:txBody>
+          <a:bodyPr/>
+          <a:lstStyle/>
+          <a:p>
             <a:r>
               <a:rPr lang="pt-BR" dirty="0"/>
-              <a:t>						Legibilidade do código</a:t>
-            </a:r>
-          </a:p>
-          <a:p>
-            <a:pPr marL="0" indent="0">
-              <a:buNone/>
-            </a:pPr>
+              <a:t>Legibilidade de código</a:t>
+            </a:r>
+          </a:p>
+          <a:p>
             <a:r>
               <a:rPr lang="pt-BR" dirty="0"/>
-              <a:t>	Muitas vezes observa-se que no desenvolvimento de software empresarial </a:t>
-            </a:r>
-          </a:p>
-          <a:p>
-            <a:pPr marL="0" indent="0">
-              <a:buNone/>
-            </a:pPr>
-            <a:r>
-              <a:rPr lang="pt-BR" sz="2800" b="1" dirty="0"/>
-              <a:t>“Um pedaço de código pode ser escrito apenas uma vez, mas é lido e mantido talvez 100 vezes durante sua vida útil</a:t>
-            </a:r>
+              <a:t>Abstrações</a:t>
+            </a:r>
+          </a:p>
+          <a:p>
             <a:r>
               <a:rPr lang="pt-BR" dirty="0"/>
-              <a:t>.” </a:t>
-            </a:r>
-          </a:p>
-          <a:p>
-            <a:pPr marL="0" indent="0">
-              <a:buNone/>
-            </a:pPr>
-            <a:endParaRPr lang="pt-BR" dirty="0"/>
-          </a:p>
-          <a:p>
-            <a:pPr marL="0" indent="0">
-              <a:buNone/>
-            </a:pPr>
+              <a:t>Complexidade</a:t>
+            </a:r>
+          </a:p>
+          <a:p>
             <a:r>
               <a:rPr lang="pt-BR" dirty="0"/>
-              <a:t>	Portanto, entender um código que o ser humano possa ler é de extrema importância. A citação de Martin Fowler – uma das minhas favoritas – diz: </a:t>
-            </a:r>
-          </a:p>
-          <a:p>
-            <a:pPr marL="0" indent="0">
-              <a:buNone/>
-            </a:pPr>
-            <a:r>
-              <a:rPr lang="pt-BR" sz="3000" dirty="0"/>
-              <a:t>“Qualquer tolo pode escrever um código que um computador possa entender.” </a:t>
-            </a:r>
-          </a:p>
-          <a:p>
-            <a:pPr marL="0" indent="0">
-              <a:buNone/>
-            </a:pPr>
-            <a:endParaRPr lang="pt-BR" dirty="0"/>
-          </a:p>
-          <a:p>
-            <a:pPr marL="0" indent="0">
-              <a:buNone/>
-            </a:pPr>
+              <a:t>O SLAB</a:t>
+            </a:r>
+          </a:p>
+          <a:p>
             <a:r>
               <a:rPr lang="pt-BR" dirty="0"/>
-              <a:t> </a:t>
-            </a:r>
-          </a:p>
-          <a:p>
-            <a:pPr marL="0" indent="0">
-              <a:buNone/>
-            </a:pPr>
-            <a:endParaRPr lang="pt-BR" dirty="0"/>
+              <a:t>Exemplos de código</a:t>
+            </a:r>
+          </a:p>
+          <a:p>
+            <a:r>
+              <a:rPr lang="pt-BR" dirty="0"/>
+              <a:t>Resumo</a:t>
+            </a:r>
           </a:p>
         </p:txBody>
       </p:sp>
     </p:spTree>
     <p:extLst>
       <p:ext uri="{BB962C8B-B14F-4D97-AF65-F5344CB8AC3E}">
-        <p14:creationId xmlns:p14="http://schemas.microsoft.com/office/powerpoint/2010/main" val="1523792892"/>
+        <p14:creationId xmlns:p14="http://schemas.microsoft.com/office/powerpoint/2010/main" val="1752272210"/>
+      </p:ext>
+    </p:extLst>
+  </p:cSld>
+  <p:clrMapOvr>
+    <a:masterClrMapping/>
+  </p:clrMapOvr>
+</p:sld>
+</file>
+
+<file path=ppt/slides/slide30.xml><?xml version="1.0" encoding="utf-8"?>
+<p:sld xmlns:a="http://schemas.openxmlformats.org/drawingml/2006/main" xmlns:r="http://schemas.openxmlformats.org/officeDocument/2006/relationships" xmlns:p="http://schemas.openxmlformats.org/presentationml/2006/main">
+  <p:cSld>
+    <p:spTree>
+      <p:nvGrpSpPr>
+        <p:cNvPr id="1" name=""/>
+        <p:cNvGrpSpPr/>
+        <p:nvPr/>
+      </p:nvGrpSpPr>
+      <p:grpSpPr>
+        <a:xfrm>
+          <a:off x="0" y="0"/>
+          <a:ext cx="0" cy="0"/>
+          <a:chOff x="0" y="0"/>
+          <a:chExt cx="0" cy="0"/>
+        </a:xfrm>
+      </p:grpSpPr>
+      <p:sp>
+        <p:nvSpPr>
+          <p:cNvPr id="2" name="Title 1">
+            <a:extLst>
+              <a:ext uri="{FF2B5EF4-FFF2-40B4-BE49-F238E27FC236}">
+                <a16:creationId xmlns:a16="http://schemas.microsoft.com/office/drawing/2014/main" id="{17647852-CB0F-4D3B-84D4-2DAFD5CB4758}"/>
+              </a:ext>
+            </a:extLst>
+          </p:cNvPr>
+          <p:cNvSpPr>
+            <a:spLocks noGrp="1"/>
+          </p:cNvSpPr>
+          <p:nvPr>
+            <p:ph type="title"/>
+          </p:nvPr>
+        </p:nvSpPr>
+        <p:spPr/>
+        <p:txBody>
+          <a:bodyPr/>
+          <a:lstStyle/>
+          <a:p>
+            <a:r>
+              <a:rPr lang="pt-BR" dirty="0"/>
+              <a:t>Obrigada!</a:t>
+            </a:r>
+          </a:p>
+        </p:txBody>
+      </p:sp>
+      <p:sp>
+        <p:nvSpPr>
+          <p:cNvPr id="3" name="Text Placeholder 2">
+            <a:extLst>
+              <a:ext uri="{FF2B5EF4-FFF2-40B4-BE49-F238E27FC236}">
+                <a16:creationId xmlns:a16="http://schemas.microsoft.com/office/drawing/2014/main" id="{6DA52ACB-52BF-4119-AA5C-F6B2481A1133}"/>
+              </a:ext>
+            </a:extLst>
+          </p:cNvPr>
+          <p:cNvSpPr>
+            <a:spLocks noGrp="1"/>
+          </p:cNvSpPr>
+          <p:nvPr>
+            <p:ph type="body" idx="1"/>
+          </p:nvPr>
+        </p:nvSpPr>
+        <p:spPr/>
+        <p:txBody>
+          <a:bodyPr/>
+          <a:lstStyle/>
+          <a:p>
+            <a:endParaRPr lang="pt-BR" dirty="0"/>
+          </a:p>
+        </p:txBody>
+      </p:sp>
+    </p:spTree>
+    <p:extLst>
+      <p:ext uri="{BB962C8B-B14F-4D97-AF65-F5344CB8AC3E}">
+        <p14:creationId xmlns:p14="http://schemas.microsoft.com/office/powerpoint/2010/main" val="1729242448"/>
       </p:ext>
     </p:extLst>
   </p:cSld>
@@ -7902,10 +8853,10 @@
       </p:grpSpPr>
       <p:sp>
         <p:nvSpPr>
-          <p:cNvPr id="4" name="Title 3">
+          <p:cNvPr id="2" name="Title 1">
             <a:extLst>
               <a:ext uri="{FF2B5EF4-FFF2-40B4-BE49-F238E27FC236}">
-                <a16:creationId xmlns:a16="http://schemas.microsoft.com/office/drawing/2014/main" id="{BBDA8EFF-9FB7-41BC-957D-3D4954EA1FB6}"/>
+                <a16:creationId xmlns:a16="http://schemas.microsoft.com/office/drawing/2014/main" id="{6DE6E8B3-ADA6-4EC8-814F-CD8A95A67A97}"/>
               </a:ext>
             </a:extLst>
           </p:cNvPr>
@@ -7916,38 +8867,24 @@
             <p:ph type="title"/>
           </p:nvPr>
         </p:nvSpPr>
-        <p:spPr>
-          <a:xfrm>
-            <a:off x="677335" y="1000218"/>
-            <a:ext cx="8596668" cy="3403600"/>
-          </a:xfrm>
-        </p:spPr>
-        <p:txBody>
-          <a:bodyPr>
-            <a:normAutofit fontScale="90000"/>
-          </a:bodyPr>
+        <p:spPr/>
+        <p:txBody>
+          <a:bodyPr/>
           <a:lstStyle/>
           <a:p>
             <a:r>
               <a:rPr lang="pt-BR" dirty="0"/>
-              <a:t>O Princípio do </a:t>
-            </a:r>
-            <a:br>
-              <a:rPr lang="pt-BR" dirty="0"/>
-            </a:br>
-            <a:r>
-              <a:rPr lang="pt-BR" dirty="0"/>
-              <a:t>"Nível Único de Abstração" Single Level of Abstraction (SLAB) – como o nome sugere, recomenda escrever um método/função em um único nível de abstração. </a:t>
-            </a:r>
-          </a:p>
-        </p:txBody>
-      </p:sp>
-      <p:sp>
-        <p:nvSpPr>
-          <p:cNvPr id="5" name="Text Placeholder 4">
+              <a:t>Legibilidade de Código</a:t>
+            </a:r>
+          </a:p>
+        </p:txBody>
+      </p:sp>
+      <p:sp>
+        <p:nvSpPr>
+          <p:cNvPr id="3" name="Content Placeholder 2">
             <a:extLst>
               <a:ext uri="{FF2B5EF4-FFF2-40B4-BE49-F238E27FC236}">
-                <a16:creationId xmlns:a16="http://schemas.microsoft.com/office/drawing/2014/main" id="{287412CE-C14A-416C-828F-00AE26EA1F09}"/>
+                <a16:creationId xmlns:a16="http://schemas.microsoft.com/office/drawing/2014/main" id="{45A8999F-9136-450F-A08E-FCDC68F9E796}"/>
               </a:ext>
             </a:extLst>
           </p:cNvPr>
@@ -7955,38 +8892,40 @@
             <a:spLocks noGrp="1"/>
           </p:cNvSpPr>
           <p:nvPr>
-            <p:ph type="body" idx="1"/>
+            <p:ph idx="1"/>
           </p:nvPr>
         </p:nvSpPr>
         <p:spPr>
           <a:xfrm>
-            <a:off x="677335" y="4470400"/>
-            <a:ext cx="9345554" cy="1570962"/>
+            <a:off x="792743" y="1752216"/>
+            <a:ext cx="8596668" cy="3880773"/>
           </a:xfrm>
         </p:spPr>
         <p:txBody>
           <a:bodyPr/>
           <a:lstStyle/>
           <a:p>
-            <a:r>
-              <a:rPr lang="pt-BR" dirty="0"/>
-              <a:t>Vamos primeiro entender </a:t>
-            </a:r>
-            <a:r>
-              <a:rPr lang="pt-BR" sz="2000" dirty="0"/>
-              <a:t>rapidamente</a:t>
-            </a:r>
-            <a:r>
-              <a:rPr lang="pt-BR" dirty="0"/>
-              <a:t> o que é abstração e o que é nível de abstração.</a:t>
-            </a:r>
+            <a:pPr marL="0" indent="0">
+              <a:buNone/>
+            </a:pPr>
+            <a:r>
+              <a:rPr lang="pt-BR" sz="4400" b="1" dirty="0"/>
+              <a:t>“Um pedaço de código pode ser escrito apenas uma vez, mas é lido e mantido talvez 100 vezes durante sua vida útil</a:t>
+            </a:r>
+            <a:r>
+              <a:rPr lang="pt-BR" sz="4400" dirty="0"/>
+              <a:t>.” </a:t>
+            </a:r>
+          </a:p>
+          <a:p>
+            <a:endParaRPr lang="pt-BR" dirty="0"/>
           </a:p>
         </p:txBody>
       </p:sp>
     </p:spTree>
     <p:extLst>
       <p:ext uri="{BB962C8B-B14F-4D97-AF65-F5344CB8AC3E}">
-        <p14:creationId xmlns:p14="http://schemas.microsoft.com/office/powerpoint/2010/main" val="3776008898"/>
+        <p14:creationId xmlns:p14="http://schemas.microsoft.com/office/powerpoint/2010/main" val="633036989"/>
       </p:ext>
     </p:extLst>
   </p:cSld>
@@ -8018,7 +8957,7 @@
           <p:cNvPr id="2" name="Title 1">
             <a:extLst>
               <a:ext uri="{FF2B5EF4-FFF2-40B4-BE49-F238E27FC236}">
-                <a16:creationId xmlns:a16="http://schemas.microsoft.com/office/drawing/2014/main" id="{39A63405-8A77-4843-9E43-FB5EF90527C7}"/>
+                <a16:creationId xmlns:a16="http://schemas.microsoft.com/office/drawing/2014/main" id="{378B85A6-5C54-4CB1-A3DC-CE8E19229E85}"/>
               </a:ext>
             </a:extLst>
           </p:cNvPr>
@@ -8031,123 +8970,93 @@
         </p:nvSpPr>
         <p:spPr>
           <a:xfrm>
-            <a:off x="730601" y="1497366"/>
-            <a:ext cx="8596668" cy="3403600"/>
+            <a:off x="829362" y="3509776"/>
+            <a:ext cx="8962707" cy="1550496"/>
           </a:xfrm>
         </p:spPr>
         <p:txBody>
+          <a:bodyPr/>
+          <a:lstStyle/>
+          <a:p>
+            <a:r>
+              <a:rPr lang="pt-BR" dirty="0"/>
+              <a:t> “Bons programadores escrevem código que os humanos podem entender.”</a:t>
+            </a:r>
+          </a:p>
+        </p:txBody>
+      </p:sp>
+      <p:sp>
+        <p:nvSpPr>
+          <p:cNvPr id="3" name="Content Placeholder 2">
+            <a:extLst>
+              <a:ext uri="{FF2B5EF4-FFF2-40B4-BE49-F238E27FC236}">
+                <a16:creationId xmlns:a16="http://schemas.microsoft.com/office/drawing/2014/main" id="{5F60D676-7069-4E61-9E6D-DEB59524D7A9}"/>
+              </a:ext>
+            </a:extLst>
+          </p:cNvPr>
+          <p:cNvSpPr>
+            <a:spLocks noGrp="1"/>
+          </p:cNvSpPr>
+          <p:nvPr>
+            <p:ph idx="1"/>
+          </p:nvPr>
+        </p:nvSpPr>
+        <p:spPr>
+          <a:xfrm>
+            <a:off x="597433" y="820062"/>
+            <a:ext cx="9337141" cy="2322634"/>
+          </a:xfrm>
+        </p:spPr>
+        <p:txBody>
           <a:bodyPr>
-            <a:noAutofit/>
+            <a:normAutofit lnSpcReduction="10000"/>
           </a:bodyPr>
           <a:lstStyle/>
           <a:p>
-            <a:br>
-              <a:rPr lang="pt-BR" sz="2400" dirty="0"/>
-            </a:br>
-            <a:br>
-              <a:rPr lang="pt-BR" sz="2400" dirty="0"/>
-            </a:br>
-            <a:br>
-              <a:rPr lang="pt-BR" sz="2400" dirty="0"/>
-            </a:br>
-            <a:br>
-              <a:rPr lang="pt-BR" sz="2400" dirty="0"/>
-            </a:br>
-            <a:br>
-              <a:rPr lang="pt-BR" sz="2400" dirty="0"/>
-            </a:br>
-            <a:br>
-              <a:rPr lang="pt-BR" sz="2400" dirty="0"/>
-            </a:br>
-            <a:br>
-              <a:rPr lang="pt-BR" sz="2400" dirty="0"/>
-            </a:br>
-            <a:r>
-              <a:rPr lang="pt-BR" sz="2400" dirty="0"/>
-              <a:t>Em termos breves e leigos </a:t>
-            </a:r>
-            <a:br>
-              <a:rPr lang="pt-BR" sz="2400" dirty="0"/>
-            </a:br>
-            <a:r>
-              <a:rPr lang="pt-BR" sz="4000" dirty="0"/>
-              <a:t>Esconder a parte do </a:t>
-            </a:r>
-            <a:br>
-              <a:rPr lang="pt-BR" sz="4000" dirty="0"/>
-            </a:br>
-            <a:r>
-              <a:rPr lang="pt-BR" sz="4000" dirty="0"/>
-              <a:t>“como” </a:t>
-            </a:r>
-            <a:br>
-              <a:rPr lang="pt-BR" sz="4000" dirty="0"/>
-            </a:br>
-            <a:r>
-              <a:rPr lang="pt-BR" sz="4000" dirty="0"/>
-              <a:t>Apenas expor </a:t>
-            </a:r>
-            <a:br>
-              <a:rPr lang="pt-BR" sz="4000" dirty="0"/>
-            </a:br>
-            <a:r>
-              <a:rPr lang="pt-BR" sz="4000" dirty="0"/>
-              <a:t>“o quê” </a:t>
-            </a:r>
-            <a:br>
-              <a:rPr lang="pt-BR" sz="4000" dirty="0"/>
-            </a:br>
-            <a:r>
-              <a:rPr lang="pt-BR" sz="4000" dirty="0"/>
-              <a:t>para o mundo exterior.</a:t>
-            </a:r>
-            <a:br>
-              <a:rPr lang="pt-BR" sz="4000" dirty="0"/>
-            </a:br>
-            <a:br>
-              <a:rPr lang="pt-BR" sz="2400" dirty="0"/>
-            </a:br>
-            <a:r>
-              <a:rPr lang="pt-BR" sz="2400" b="1" dirty="0"/>
-              <a:t>A abstração é algo que esconde informações irrelevantes.</a:t>
-            </a:r>
-            <a:br>
-              <a:rPr lang="pt-BR" sz="2400" dirty="0"/>
-            </a:br>
-            <a:br>
-              <a:rPr lang="pt-BR" sz="2400" dirty="0"/>
-            </a:br>
-            <a:r>
-              <a:rPr lang="pt-BR" sz="2400" dirty="0"/>
-              <a:t>Essa definição pode soar totalmente impraticável, então deixe-me demonstrar o que as abstrações fazem com uma simples analogia. </a:t>
-            </a:r>
-            <a:br>
-              <a:rPr lang="pt-BR" sz="2400" dirty="0"/>
-            </a:br>
-            <a:br>
-              <a:rPr lang="pt-BR" sz="2400" dirty="0"/>
-            </a:br>
-            <a:r>
-              <a:rPr lang="pt-BR" sz="2400" dirty="0"/>
-              <a:t>Ao interagir com seu computador, você usa uma tela, um teclado, um mouse e outros periféricos.Você não se importa com plásticos, vidro, PCBs, capacitores, chips, ventiladores, etc. E com certeza não se importa com transistores. </a:t>
-            </a:r>
-            <a:br>
-              <a:rPr lang="pt-BR" sz="2400" dirty="0"/>
-            </a:br>
-            <a:br>
-              <a:rPr lang="pt-BR" sz="2400" dirty="0"/>
-            </a:br>
-            <a:r>
-              <a:rPr lang="pt-BR" sz="2400" dirty="0"/>
-              <a:t>Todos esses detalhes de nível inferior, por mais importantes que sejam para um computador em funcionamento, são irrelevantes quando você trabalha ou joga.</a:t>
-            </a:r>
+            <a:pPr marL="0" indent="0">
+              <a:buNone/>
+            </a:pPr>
+            <a:endParaRPr lang="pt-BR" sz="3000" dirty="0"/>
+          </a:p>
+          <a:p>
+            <a:pPr marL="0" indent="0">
+              <a:buNone/>
+            </a:pPr>
+            <a:r>
+              <a:rPr lang="pt-BR" sz="3000" dirty="0"/>
+              <a:t>“Qualquer tolo pode escrever um código que um computador possa entender.” </a:t>
+            </a:r>
+          </a:p>
+          <a:p>
+            <a:pPr marL="0" indent="0">
+              <a:buNone/>
+            </a:pPr>
+            <a:r>
+              <a:rPr lang="pt-BR" dirty="0"/>
+              <a:t>												Martin Fowler</a:t>
+            </a:r>
+          </a:p>
+          <a:p>
+            <a:pPr marL="0" indent="0">
+              <a:buNone/>
+            </a:pPr>
+            <a:r>
+              <a:rPr lang="pt-BR" dirty="0"/>
+              <a:t> </a:t>
+            </a:r>
+          </a:p>
+          <a:p>
+            <a:pPr marL="0" indent="0">
+              <a:buNone/>
+            </a:pPr>
+            <a:endParaRPr lang="pt-BR" dirty="0"/>
           </a:p>
         </p:txBody>
       </p:sp>
     </p:spTree>
     <p:extLst>
       <p:ext uri="{BB962C8B-B14F-4D97-AF65-F5344CB8AC3E}">
-        <p14:creationId xmlns:p14="http://schemas.microsoft.com/office/powerpoint/2010/main" val="566979093"/>
+        <p14:creationId xmlns:p14="http://schemas.microsoft.com/office/powerpoint/2010/main" val="1523792892"/>
       </p:ext>
     </p:extLst>
   </p:cSld>
@@ -8176,10 +9085,10 @@
       </p:grpSpPr>
       <p:sp>
         <p:nvSpPr>
-          <p:cNvPr id="2" name="Title 1">
+          <p:cNvPr id="4" name="Title 3">
             <a:extLst>
               <a:ext uri="{FF2B5EF4-FFF2-40B4-BE49-F238E27FC236}">
-                <a16:creationId xmlns:a16="http://schemas.microsoft.com/office/drawing/2014/main" id="{39A63405-8A77-4843-9E43-FB5EF90527C7}"/>
+                <a16:creationId xmlns:a16="http://schemas.microsoft.com/office/drawing/2014/main" id="{BBDA8EFF-9FB7-41BC-957D-3D4954EA1FB6}"/>
               </a:ext>
             </a:extLst>
           </p:cNvPr>
@@ -8192,76 +9101,41 @@
         </p:nvSpPr>
         <p:spPr>
           <a:xfrm>
-            <a:off x="851899" y="153757"/>
-            <a:ext cx="8596668" cy="3403600"/>
+            <a:off x="677335" y="1000218"/>
+            <a:ext cx="8289112" cy="3731580"/>
           </a:xfrm>
         </p:spPr>
         <p:txBody>
           <a:bodyPr>
-            <a:noAutofit/>
+            <a:normAutofit fontScale="90000"/>
           </a:bodyPr>
           <a:lstStyle/>
           <a:p>
+            <a:r>
+              <a:rPr lang="pt-BR" dirty="0"/>
+              <a:t>O Princípio do SLAB ou</a:t>
+            </a:r>
             <a:br>
-              <a:rPr lang="pt-BR" sz="2400" dirty="0"/>
+              <a:rPr lang="pt-BR" dirty="0"/>
             </a:br>
+            <a:r>
+              <a:rPr lang="pt-BR" dirty="0"/>
+              <a:t>Single Level of Abstraction ou "Nível Único de Abstração“</a:t>
+            </a:r>
             <a:br>
-              <a:rPr lang="pt-BR" sz="2400" dirty="0"/>
+              <a:rPr lang="pt-BR" dirty="0"/>
             </a:br>
-            <a:br>
-              <a:rPr lang="pt-BR" sz="2400" dirty="0"/>
-            </a:br>
-            <a:br>
-              <a:rPr lang="pt-BR" sz="2400" dirty="0"/>
-            </a:br>
-            <a:br>
-              <a:rPr lang="pt-BR" sz="2400" dirty="0"/>
-            </a:br>
-            <a:br>
-              <a:rPr lang="pt-BR" sz="2400" dirty="0"/>
-            </a:br>
-            <a:br>
-              <a:rPr lang="pt-BR" sz="2400" dirty="0"/>
-            </a:br>
-            <a:br>
-              <a:rPr lang="pt-BR" sz="4000" dirty="0"/>
-            </a:br>
-            <a:br>
-              <a:rPr lang="pt-BR" sz="2400" dirty="0"/>
-            </a:br>
-            <a:r>
-              <a:rPr lang="pt-BR" sz="2400" b="1" dirty="0"/>
-              <a:t>A abstração é algo que esconde informações irrelevantes.</a:t>
-            </a:r>
-            <a:br>
-              <a:rPr lang="pt-BR" sz="2400" dirty="0"/>
-            </a:br>
-            <a:br>
-              <a:rPr lang="pt-BR" sz="2400" dirty="0"/>
-            </a:br>
-            <a:r>
-              <a:rPr lang="pt-BR" sz="2400" dirty="0"/>
-              <a:t>Essa definição pode soar totalmente impraticável, então vamos à uma simples analogia. </a:t>
-            </a:r>
-            <a:br>
-              <a:rPr lang="pt-BR" sz="2400" dirty="0"/>
-            </a:br>
-            <a:br>
-              <a:rPr lang="pt-BR" sz="2400" dirty="0"/>
-            </a:br>
-            <a:r>
-              <a:rPr lang="pt-BR" sz="2400" dirty="0"/>
-              <a:t>Ao interagir com seu computador, você usa uma tela, um teclado, um mouse e outros periféricos.Você não se importa com plásticos, vidro, capacitores, chips, ventiladores, etc. E com certeza não se importa com transistores. </a:t>
-            </a:r>
-            <a:br>
-              <a:rPr lang="pt-BR" sz="2400" dirty="0"/>
-            </a:br>
-            <a:br>
-              <a:rPr lang="pt-BR" sz="2400" dirty="0"/>
-            </a:br>
-            <a:r>
-              <a:rPr lang="pt-BR" sz="2400" dirty="0"/>
-              <a:t>Todos esses detalhes de nível inferior, por mais importantes que sejam para um computador em funcionamento, são irrelevantes quando você trabalha ou joga.</a:t>
+            <a:r>
+              <a:rPr lang="pt-BR" dirty="0"/>
+              <a:t>como o nome sugere, recomenda </a:t>
+            </a:r>
+            <a:r>
+              <a:rPr lang="pt-BR" sz="4900" b="1" dirty="0"/>
+              <a:t>escrever um método/função em um único nível de abstração</a:t>
+            </a:r>
+            <a:r>
+              <a:rPr lang="pt-BR" dirty="0"/>
+              <a:t>. </a:t>
             </a:r>
           </a:p>
         </p:txBody>
@@ -8269,7 +9143,7 @@
     </p:spTree>
     <p:extLst>
       <p:ext uri="{BB962C8B-B14F-4D97-AF65-F5344CB8AC3E}">
-        <p14:creationId xmlns:p14="http://schemas.microsoft.com/office/powerpoint/2010/main" val="3321437485"/>
+        <p14:creationId xmlns:p14="http://schemas.microsoft.com/office/powerpoint/2010/main" val="3776008898"/>
       </p:ext>
     </p:extLst>
   </p:cSld>
@@ -8301,7 +9175,7 @@
           <p:cNvPr id="2" name="Title 1">
             <a:extLst>
               <a:ext uri="{FF2B5EF4-FFF2-40B4-BE49-F238E27FC236}">
-                <a16:creationId xmlns:a16="http://schemas.microsoft.com/office/drawing/2014/main" id="{0A0E407E-7B9D-4BA0-807C-E99A87F7BD05}"/>
+                <a16:creationId xmlns:a16="http://schemas.microsoft.com/office/drawing/2014/main" id="{39A63405-8A77-4843-9E43-FB5EF90527C7}"/>
               </a:ext>
             </a:extLst>
           </p:cNvPr>
@@ -8314,65 +9188,261 @@
         </p:nvSpPr>
         <p:spPr>
           <a:xfrm>
-            <a:off x="792744" y="1727200"/>
+            <a:off x="686213" y="423168"/>
             <a:ext cx="8596668" cy="3403600"/>
           </a:xfrm>
         </p:spPr>
         <p:txBody>
           <a:bodyPr>
-            <a:normAutofit fontScale="90000"/>
+            <a:noAutofit/>
           </a:bodyPr>
           <a:lstStyle/>
           <a:p>
-            <a:r>
-              <a:rPr lang="pt-BR" sz="2800" dirty="0"/>
-              <a:t>O código-fonte também aproveita o poder das abstrações.</a:t>
-            </a:r>
             <a:br>
-              <a:rPr lang="pt-BR" sz="2800" dirty="0"/>
-            </a:br>
-            <a:r>
-              <a:rPr lang="pt-BR" sz="2800" dirty="0"/>
-              <a:t> </a:t>
-            </a:r>
-            <a:br>
-              <a:rPr lang="pt-BR" sz="2800" dirty="0"/>
-            </a:br>
-            <a:r>
-              <a:rPr lang="pt-BR" sz="2800" dirty="0"/>
-              <a:t>Uma classe, por exemplo, oculta a maior parte de sua complexidade do mundo exterior e expõe um conjunto simples de recursos (“espero”) na forma de sua API pública. </a:t>
-            </a:r>
-            <a:br>
-              <a:rPr lang="pt-BR" sz="2800" dirty="0"/>
+              <a:rPr lang="pt-BR" sz="2400" dirty="0"/>
             </a:br>
             <a:br>
-              <a:rPr lang="pt-BR" sz="2800" dirty="0"/>
-            </a:br>
-            <a:r>
-              <a:rPr lang="pt-BR" sz="2800" dirty="0"/>
-              <a:t>Portanto, uma classe é uma abstração. Mas os métodos também são abstrações, pois também ocultam a maior parte de sua complexidade. </a:t>
-            </a:r>
-            <a:br>
-              <a:rPr lang="pt-BR" sz="2800" dirty="0"/>
+              <a:rPr lang="pt-BR" sz="2400" dirty="0"/>
             </a:br>
             <a:br>
-              <a:rPr lang="pt-BR" sz="2800" dirty="0"/>
+              <a:rPr lang="pt-BR" sz="2400" dirty="0"/>
             </a:br>
-            <a:r>
-              <a:rPr lang="pt-BR" sz="2800" dirty="0"/>
-              <a:t>E o código-fonte por si só é uma abstração, porque permite que você use instruções como if ou for sem lidar com instruções, contadores de programa, registradores, etc. Em suma, vemos abstrações “sobre” outras abstrações em todos os lugares.</a:t>
-            </a:r>
             <a:br>
-              <a:rPr lang="pt-BR" sz="2800" dirty="0"/>
+              <a:rPr lang="pt-BR" sz="2400" dirty="0"/>
             </a:br>
-            <a:endParaRPr lang="pt-BR" sz="2800" dirty="0"/>
+            <a:br>
+              <a:rPr lang="pt-BR" sz="2400" dirty="0"/>
+            </a:br>
+            <a:br>
+              <a:rPr lang="pt-BR" sz="2400" dirty="0"/>
+            </a:br>
+            <a:br>
+              <a:rPr lang="pt-BR" sz="2400" dirty="0"/>
+            </a:br>
+            <a:r>
+              <a:rPr lang="pt-BR" sz="2400" dirty="0"/>
+              <a:t>Em termos breves e leigos abstração é</a:t>
+            </a:r>
+            <a:br>
+              <a:rPr lang="pt-BR" sz="2400" dirty="0"/>
+            </a:br>
+            <a:br>
+              <a:rPr lang="pt-BR" sz="2400" dirty="0"/>
+            </a:br>
+            <a:r>
+              <a:rPr lang="pt-BR" sz="4000" dirty="0"/>
+              <a:t>Esconder a parte do “como” </a:t>
+            </a:r>
+            <a:br>
+              <a:rPr lang="pt-BR" sz="4000" dirty="0"/>
+            </a:br>
+            <a:r>
+              <a:rPr lang="pt-BR" sz="4000" dirty="0"/>
+              <a:t>e expor apenas “o quê” </a:t>
+            </a:r>
+            <a:br>
+              <a:rPr lang="pt-BR" sz="4000" dirty="0"/>
+            </a:br>
+            <a:r>
+              <a:rPr lang="pt-BR" sz="4000" dirty="0"/>
+              <a:t>para o mundo exterior.</a:t>
+            </a:r>
+            <a:br>
+              <a:rPr lang="pt-BR" sz="4000" dirty="0"/>
+            </a:br>
+            <a:br>
+              <a:rPr lang="pt-BR" sz="2400" dirty="0"/>
+            </a:br>
+            <a:endParaRPr lang="pt-BR" sz="2400" dirty="0"/>
+          </a:p>
+        </p:txBody>
+      </p:sp>
+      <p:sp>
+        <p:nvSpPr>
+          <p:cNvPr id="3" name="Text Placeholder 4">
+            <a:extLst>
+              <a:ext uri="{FF2B5EF4-FFF2-40B4-BE49-F238E27FC236}">
+                <a16:creationId xmlns:a16="http://schemas.microsoft.com/office/drawing/2014/main" id="{E746A939-DE70-46D3-B4B1-7C65F7D14A63}"/>
+              </a:ext>
+            </a:extLst>
+          </p:cNvPr>
+          <p:cNvSpPr>
+            <a:spLocks noGrp="1"/>
+          </p:cNvSpPr>
+          <p:nvPr>
+            <p:ph type="body" idx="1"/>
+          </p:nvPr>
+        </p:nvSpPr>
+        <p:spPr>
+          <a:xfrm>
+            <a:off x="578100" y="315651"/>
+            <a:ext cx="9345554" cy="1570962"/>
+          </a:xfrm>
+        </p:spPr>
+        <p:txBody>
+          <a:bodyPr/>
+          <a:lstStyle/>
+          <a:p>
+            <a:r>
+              <a:rPr lang="pt-BR" dirty="0"/>
+              <a:t>Vamos primeiro entender </a:t>
+            </a:r>
+            <a:r>
+              <a:rPr lang="pt-BR" sz="2000" dirty="0"/>
+              <a:t>rapidamente</a:t>
+            </a:r>
+            <a:r>
+              <a:rPr lang="pt-BR" dirty="0"/>
+              <a:t> o que é abstração e o que é nível de abstração.</a:t>
+            </a:r>
+          </a:p>
+        </p:txBody>
+      </p:sp>
+      <p:sp>
+        <p:nvSpPr>
+          <p:cNvPr id="4" name="Title 1">
+            <a:extLst>
+              <a:ext uri="{FF2B5EF4-FFF2-40B4-BE49-F238E27FC236}">
+                <a16:creationId xmlns:a16="http://schemas.microsoft.com/office/drawing/2014/main" id="{D7EB49D0-796D-4C5C-A317-2EC2332E93DB}"/>
+              </a:ext>
+            </a:extLst>
+          </p:cNvPr>
+          <p:cNvSpPr txBox="1">
+            <a:spLocks/>
+          </p:cNvSpPr>
+          <p:nvPr/>
+        </p:nvSpPr>
+        <p:spPr>
+          <a:xfrm>
+            <a:off x="578100" y="1567788"/>
+            <a:ext cx="8596668" cy="3403600"/>
+          </a:xfrm>
+          <a:prstGeom prst="rect">
+            <a:avLst/>
+          </a:prstGeom>
+        </p:spPr>
+        <p:txBody>
+          <a:bodyPr vert="horz" lIns="91440" tIns="45720" rIns="91440" bIns="45720" rtlCol="0" anchor="ctr">
+            <a:noAutofit/>
+          </a:bodyPr>
+          <a:lstStyle>
+            <a:lvl1pPr algn="l" defTabSz="457200" rtl="0" eaLnBrk="1" latinLnBrk="0" hangingPunct="1">
+              <a:spcBef>
+                <a:spcPct val="0"/>
+              </a:spcBef>
+              <a:buNone/>
+              <a:defRPr sz="4400" b="0" kern="1200" cap="none">
+                <a:solidFill>
+                  <a:schemeClr val="accent1"/>
+                </a:solidFill>
+                <a:latin typeface="+mj-lt"/>
+                <a:ea typeface="+mj-ea"/>
+                <a:cs typeface="+mj-cs"/>
+              </a:defRPr>
+            </a:lvl1pPr>
+            <a:lvl2pPr eaLnBrk="1" hangingPunct="1">
+              <a:defRPr>
+                <a:solidFill>
+                  <a:schemeClr val="tx2"/>
+                </a:solidFill>
+              </a:defRPr>
+            </a:lvl2pPr>
+            <a:lvl3pPr eaLnBrk="1" hangingPunct="1">
+              <a:defRPr>
+                <a:solidFill>
+                  <a:schemeClr val="tx2"/>
+                </a:solidFill>
+              </a:defRPr>
+            </a:lvl3pPr>
+            <a:lvl4pPr eaLnBrk="1" hangingPunct="1">
+              <a:defRPr>
+                <a:solidFill>
+                  <a:schemeClr val="tx2"/>
+                </a:solidFill>
+              </a:defRPr>
+            </a:lvl4pPr>
+            <a:lvl5pPr eaLnBrk="1" hangingPunct="1">
+              <a:defRPr>
+                <a:solidFill>
+                  <a:schemeClr val="tx2"/>
+                </a:solidFill>
+              </a:defRPr>
+            </a:lvl5pPr>
+            <a:lvl6pPr eaLnBrk="1" hangingPunct="1">
+              <a:defRPr>
+                <a:solidFill>
+                  <a:schemeClr val="tx2"/>
+                </a:solidFill>
+              </a:defRPr>
+            </a:lvl6pPr>
+            <a:lvl7pPr eaLnBrk="1" hangingPunct="1">
+              <a:defRPr>
+                <a:solidFill>
+                  <a:schemeClr val="tx2"/>
+                </a:solidFill>
+              </a:defRPr>
+            </a:lvl7pPr>
+            <a:lvl8pPr eaLnBrk="1" hangingPunct="1">
+              <a:defRPr>
+                <a:solidFill>
+                  <a:schemeClr val="tx2"/>
+                </a:solidFill>
+              </a:defRPr>
+            </a:lvl8pPr>
+            <a:lvl9pPr eaLnBrk="1" hangingPunct="1">
+              <a:defRPr>
+                <a:solidFill>
+                  <a:schemeClr val="tx2"/>
+                </a:solidFill>
+              </a:defRPr>
+            </a:lvl9pPr>
+          </a:lstStyle>
+          <a:p>
+            <a:br>
+              <a:rPr lang="pt-BR" sz="3600" dirty="0"/>
+            </a:br>
+            <a:br>
+              <a:rPr lang="pt-BR" sz="3600" dirty="0"/>
+            </a:br>
+            <a:br>
+              <a:rPr lang="pt-BR" sz="3600" dirty="0"/>
+            </a:br>
+            <a:br>
+              <a:rPr lang="pt-BR" sz="3600" dirty="0"/>
+            </a:br>
+            <a:br>
+              <a:rPr lang="pt-BR" sz="3600" dirty="0"/>
+            </a:br>
+            <a:br>
+              <a:rPr lang="pt-BR" sz="3600" dirty="0"/>
+            </a:br>
+            <a:br>
+              <a:rPr lang="pt-BR" sz="3600" dirty="0"/>
+            </a:br>
+            <a:br>
+              <a:rPr lang="pt-BR" sz="3600" dirty="0"/>
+            </a:br>
+            <a:br>
+              <a:rPr lang="pt-BR" sz="3600" dirty="0"/>
+            </a:br>
+            <a:br>
+              <a:rPr lang="pt-BR" sz="3600" dirty="0"/>
+            </a:br>
+            <a:r>
+              <a:rPr lang="pt-BR" sz="3600" b="1" dirty="0"/>
+              <a:t>A abstração é algo que esconde informações irrelevantes.</a:t>
+            </a:r>
+            <a:br>
+              <a:rPr lang="pt-BR" sz="3600" dirty="0"/>
+            </a:br>
+            <a:endParaRPr lang="pt-BR" sz="3600" dirty="0"/>
           </a:p>
         </p:txBody>
       </p:sp>
     </p:spTree>
     <p:extLst>
       <p:ext uri="{BB962C8B-B14F-4D97-AF65-F5344CB8AC3E}">
-        <p14:creationId xmlns:p14="http://schemas.microsoft.com/office/powerpoint/2010/main" val="696767220"/>
+        <p14:creationId xmlns:p14="http://schemas.microsoft.com/office/powerpoint/2010/main" val="566979093"/>
       </p:ext>
     </p:extLst>
   </p:cSld>
@@ -8417,7 +9487,7 @@
         </p:nvSpPr>
         <p:spPr>
           <a:xfrm>
-            <a:off x="899276" y="1621655"/>
+            <a:off x="736489" y="775194"/>
             <a:ext cx="8596668" cy="3403600"/>
           </a:xfrm>
         </p:spPr>
@@ -8427,48 +9497,65 @@
           </a:bodyPr>
           <a:lstStyle/>
           <a:p>
-            <a:r>
-              <a:rPr lang="pt-BR" sz="3200" dirty="0"/>
-              <a:t> </a:t>
-            </a:r>
             <a:br>
-              <a:rPr lang="pt-BR" sz="3200" dirty="0"/>
-            </a:br>
-            <a:r>
-              <a:rPr lang="pt-BR" sz="3200" dirty="0"/>
-              <a:t>Em geral, diferentes “blocos” de código dentro de um método são um indicador clássico de diferentes níveis de abstração. </a:t>
-            </a:r>
-            <a:br>
-              <a:rPr lang="pt-BR" sz="3200" dirty="0"/>
+              <a:rPr lang="pt-BR" sz="2400" dirty="0"/>
             </a:br>
             <a:br>
-              <a:rPr lang="pt-BR" sz="3200" dirty="0"/>
-            </a:br>
-            <a:r>
-              <a:rPr lang="pt-BR" sz="3200" dirty="0"/>
-              <a:t>Isso significa que o leitor do código agora precisa criar uma “ramificação” em seu agrupamento mental para ler essa condição ou bloco de loop e mesclar de volta </a:t>
-            </a:r>
-            <a:br>
-              <a:rPr lang="pt-BR" sz="3200" dirty="0"/>
-            </a:br>
-            <a:r>
-              <a:rPr lang="pt-BR" sz="3200" dirty="0"/>
-              <a:t>ao mesmo nível em que o bloco terminou.</a:t>
-            </a:r>
-            <a:br>
-              <a:rPr lang="pt-BR" sz="3200" dirty="0"/>
+              <a:rPr lang="pt-BR" sz="2400" dirty="0"/>
             </a:br>
             <a:br>
-              <a:rPr lang="pt-BR" sz="3200" dirty="0"/>
+              <a:rPr lang="pt-BR" sz="2400" dirty="0"/>
             </a:br>
-            <a:endParaRPr lang="pt-BR" sz="3200" dirty="0"/>
+            <a:br>
+              <a:rPr lang="pt-BR" sz="2400" dirty="0"/>
+            </a:br>
+            <a:br>
+              <a:rPr lang="pt-BR" sz="2400" dirty="0"/>
+            </a:br>
+            <a:br>
+              <a:rPr lang="pt-BR" sz="2400" dirty="0"/>
+            </a:br>
+            <a:br>
+              <a:rPr lang="pt-BR" sz="2400" dirty="0"/>
+            </a:br>
+            <a:r>
+              <a:rPr lang="pt-BR" sz="2400" dirty="0"/>
+              <a:t>Analogia</a:t>
+            </a:r>
+            <a:br>
+              <a:rPr lang="pt-BR" sz="2400" dirty="0"/>
+            </a:br>
+            <a:br>
+              <a:rPr lang="pt-BR" sz="2400" dirty="0"/>
+            </a:br>
+            <a:r>
+              <a:rPr lang="pt-BR" sz="2400" dirty="0"/>
+              <a:t>Ao interagir com seu computador, você usa uma tela, um teclado, um mouse e outros periféricos.Você não se importa com plásticos, vidro, capacitores, chips, ventiladores, transistores. </a:t>
+            </a:r>
+            <a:br>
+              <a:rPr lang="pt-BR" sz="2400" dirty="0"/>
+            </a:br>
+            <a:br>
+              <a:rPr lang="pt-BR" sz="2400" dirty="0"/>
+            </a:br>
+            <a:r>
+              <a:rPr lang="pt-BR" sz="2400" dirty="0"/>
+              <a:t>Todos esses detalhes de nível inferior são abstrações, por mais importantes que sejam para um computador em funcionamento, são irrelevantes quando você trabalha ou joga.</a:t>
+            </a:r>
+            <a:br>
+              <a:rPr lang="pt-BR" sz="2400" dirty="0"/>
+            </a:br>
+            <a:br>
+              <a:rPr lang="pt-BR" sz="2400" dirty="0"/>
+            </a:br>
+            <a:endParaRPr lang="pt-BR" sz="2400" dirty="0"/>
           </a:p>
         </p:txBody>
       </p:sp>
     </p:spTree>
     <p:extLst>
       <p:ext uri="{BB962C8B-B14F-4D97-AF65-F5344CB8AC3E}">
-        <p14:creationId xmlns:p14="http://schemas.microsoft.com/office/powerpoint/2010/main" val="3356083640"/>
+        <p14:creationId xmlns:p14="http://schemas.microsoft.com/office/powerpoint/2010/main" val="3321437485"/>
       </p:ext>
     </p:extLst>
   </p:cSld>
@@ -8500,7 +9587,7 @@
           <p:cNvPr id="2" name="Title 1">
             <a:extLst>
               <a:ext uri="{FF2B5EF4-FFF2-40B4-BE49-F238E27FC236}">
-                <a16:creationId xmlns:a16="http://schemas.microsoft.com/office/drawing/2014/main" id="{DBED336F-DC17-4B18-900F-64647DA7971B}"/>
+                <a16:creationId xmlns:a16="http://schemas.microsoft.com/office/drawing/2014/main" id="{0A0E407E-7B9D-4BA0-807C-E99A87F7BD05}"/>
               </a:ext>
             </a:extLst>
           </p:cNvPr>
@@ -8513,8 +9600,8 @@
         </p:nvSpPr>
         <p:spPr>
           <a:xfrm>
-            <a:off x="899276" y="1338231"/>
-            <a:ext cx="9429711" cy="3403600"/>
+            <a:off x="757234" y="1966897"/>
+            <a:ext cx="8596668" cy="3403600"/>
           </a:xfrm>
         </p:spPr>
         <p:txBody>
@@ -8524,28 +9611,47 @@
           <a:lstStyle/>
           <a:p>
             <a:r>
-              <a:rPr lang="pt-BR" sz="4400" dirty="0"/>
-              <a:t>Isso também pode estar correlacionado com as complexidades cognitivas e ciclomáticas do código</a:t>
-            </a:r>
-            <a:r>
-              <a:rPr lang="pt-BR" dirty="0"/>
-              <a:t> que q</a:t>
-            </a:r>
-            <a:r>
-              <a:rPr lang="pt-BR" sz="4400" dirty="0"/>
-              <a:t>uando detectadas são indicação direta de que o código está violando o princípio de “SLAB – Single Level of Abstraction”.</a:t>
+              <a:rPr lang="pt-BR" sz="2800" dirty="0"/>
+              <a:t>O código-fonte também aproveita o poder das abstrações.</a:t>
             </a:r>
             <a:br>
-              <a:rPr lang="pt-BR" sz="4400" dirty="0"/>
+              <a:rPr lang="pt-BR" sz="2800" dirty="0"/>
             </a:br>
-            <a:endParaRPr lang="pt-BR" sz="1200" dirty="0"/>
+            <a:r>
+              <a:rPr lang="pt-BR" sz="2800" dirty="0"/>
+              <a:t> </a:t>
+            </a:r>
+            <a:br>
+              <a:rPr lang="pt-BR" sz="2800" dirty="0"/>
+            </a:br>
+            <a:r>
+              <a:rPr lang="pt-BR" sz="2800" dirty="0"/>
+              <a:t>Uma classe, por exemplo, oculta a maior parte de sua complexidade do mundo exterior e expõe um conjunto simples de recursos (“espero”) na forma de sua API pública e interfaces</a:t>
+            </a:r>
+            <a:br>
+              <a:rPr lang="pt-BR" sz="2800" dirty="0"/>
+            </a:br>
+            <a:br>
+              <a:rPr lang="pt-BR" sz="2800" dirty="0"/>
+            </a:br>
+            <a:r>
+              <a:rPr lang="pt-BR" sz="2800" dirty="0"/>
+              <a:t>Portanto, uma classe é uma abstração. Mas os métodos também são abstrações, pois também ocultam a maior parte de sua complexidade. </a:t>
+            </a:r>
+            <a:br>
+              <a:rPr lang="pt-BR" sz="2800" dirty="0"/>
+            </a:br>
+            <a:br>
+              <a:rPr lang="pt-BR" sz="2800" dirty="0"/>
+            </a:br>
+            <a:endParaRPr lang="pt-BR" sz="2800" dirty="0"/>
           </a:p>
         </p:txBody>
       </p:sp>
     </p:spTree>
     <p:extLst>
       <p:ext uri="{BB962C8B-B14F-4D97-AF65-F5344CB8AC3E}">
-        <p14:creationId xmlns:p14="http://schemas.microsoft.com/office/powerpoint/2010/main" val="3892614132"/>
+        <p14:creationId xmlns:p14="http://schemas.microsoft.com/office/powerpoint/2010/main" val="3627179555"/>
       </p:ext>
     </p:extLst>
   </p:cSld>
@@ -8813,21 +9919,21 @@
 </file>
 
 <file path=customXml/item1.xml><?xml version="1.0" encoding="utf-8"?>
+<p:properties xmlns:p="http://schemas.microsoft.com/office/2006/metadata/properties" xmlns:xsi="http://www.w3.org/2001/XMLSchema-instance" xmlns:pc="http://schemas.microsoft.com/office/infopath/2007/PartnerControls">
+  <documentManagement>
+    <Status xmlns="71af3243-3dd4-4a8d-8c0d-dd76da1f02a5">Not started</Status>
+    <MediaServiceKeyPoints xmlns="71af3243-3dd4-4a8d-8c0d-dd76da1f02a5" xsi:nil="true"/>
+  </documentManagement>
+</p:properties>
+</file>
+
+<file path=customXml/item2.xml><?xml version="1.0" encoding="utf-8"?>
 <?mso-contentType ?>
 <FormTemplates xmlns="http://schemas.microsoft.com/sharepoint/v3/contenttype/forms">
   <Display>DocumentLibraryForm</Display>
   <Edit>DocumentLibraryForm</Edit>
   <New>DocumentLibraryForm</New>
 </FormTemplates>
-</file>
-
-<file path=customXml/item2.xml><?xml version="1.0" encoding="utf-8"?>
-<p:properties xmlns:p="http://schemas.microsoft.com/office/2006/metadata/properties" xmlns:xsi="http://www.w3.org/2001/XMLSchema-instance" xmlns:pc="http://schemas.microsoft.com/office/infopath/2007/PartnerControls">
-  <documentManagement>
-    <Status xmlns="71af3243-3dd4-4a8d-8c0d-dd76da1f02a5">Not started</Status>
-    <MediaServiceKeyPoints xmlns="71af3243-3dd4-4a8d-8c0d-dd76da1f02a5" xsi:nil="true"/>
-  </documentManagement>
-</p:properties>
 </file>
 
 <file path=customXml/item3.xml><?xml version="1.0" encoding="utf-8"?>
@@ -9052,19 +10158,26 @@
 </file>
 
 <file path=customXml/itemProps1.xml><?xml version="1.0" encoding="utf-8"?>
-<ds:datastoreItem xmlns:ds="http://schemas.openxmlformats.org/officeDocument/2006/customXml" ds:itemID="{CDB58277-F8DF-46FF-84EC-EF41B835E69F}">
+<ds:datastoreItem xmlns:ds="http://schemas.openxmlformats.org/officeDocument/2006/customXml" ds:itemID="{137651BA-F45C-4845-9AB3-E0A65B39F5E1}">
   <ds:schemaRefs>
-    <ds:schemaRef ds:uri="http://schemas.microsoft.com/sharepoint/v3/contenttype/forms"/>
+    <ds:schemaRef ds:uri="71af3243-3dd4-4a8d-8c0d-dd76da1f02a5"/>
+    <ds:schemaRef ds:uri="http://schemas.openxmlformats.org/package/2006/metadata/core-properties"/>
+    <ds:schemaRef ds:uri="http://schemas.microsoft.com/office/2006/documentManagement/types"/>
+    <ds:schemaRef ds:uri="http://purl.org/dc/dcmitype/"/>
+    <ds:schemaRef ds:uri="http://www.w3.org/XML/1998/namespace"/>
+    <ds:schemaRef ds:uri="http://schemas.microsoft.com/office/2006/metadata/properties"/>
+    <ds:schemaRef ds:uri="http://purl.org/dc/elements/1.1/"/>
+    <ds:schemaRef ds:uri="http://schemas.microsoft.com/office/infopath/2007/PartnerControls"/>
+    <ds:schemaRef ds:uri="16c05727-aa75-4e4a-9b5f-8a80a1165891"/>
+    <ds:schemaRef ds:uri="http://purl.org/dc/terms/"/>
   </ds:schemaRefs>
 </ds:datastoreItem>
 </file>
 
 <file path=customXml/itemProps2.xml><?xml version="1.0" encoding="utf-8"?>
-<ds:datastoreItem xmlns:ds="http://schemas.openxmlformats.org/officeDocument/2006/customXml" ds:itemID="{137651BA-F45C-4845-9AB3-E0A65B39F5E1}">
+<ds:datastoreItem xmlns:ds="http://schemas.openxmlformats.org/officeDocument/2006/customXml" ds:itemID="{CDB58277-F8DF-46FF-84EC-EF41B835E69F}">
   <ds:schemaRefs>
-    <ds:schemaRef ds:uri="http://schemas.microsoft.com/office/2006/metadata/properties"/>
-    <ds:schemaRef ds:uri="http://schemas.microsoft.com/office/infopath/2007/PartnerControls"/>
-    <ds:schemaRef ds:uri="71af3243-3dd4-4a8d-8c0d-dd76da1f02a5"/>
+    <ds:schemaRef ds:uri="http://schemas.microsoft.com/sharepoint/v3/contenttype/forms"/>
   </ds:schemaRefs>
 </ds:datastoreItem>
 </file>
